--- a/vignettes/report_vignette.pptx
+++ b/vignettes/report_vignette.pptx
@@ -9,6 +9,11 @@
     <p:sldId id="257" r:id="rId11"/>
     <p:sldId id="258" r:id="rId12"/>
     <p:sldId id="259" r:id="rId13"/>
+    <p:sldId id="260" r:id="rId14"/>
+    <p:sldId id="261" r:id="rId15"/>
+    <p:sldId id="262" r:id="rId16"/>
+    <p:sldId id="263" r:id="rId17"/>
+    <p:sldId id="264" r:id="rId18"/>
   </p:sldIdLst>
   <p:notesMasterIdLst>
     <p:notesMasterId r:id="rId2"/>
@@ -4899,6 +4904,2268 @@
           <a:xfrm>
             <a:off x="251520" y="1600200"/>
             <a:ext cx="8640960" cy="4637112"/>
+          </a:xfrm>
+          <a:prstGeom prst="rect">
+            <a:avLst/>
+          </a:prstGeom>
+        </p:spPr>
+      </p:pic>
+    </p:spTree>
+  </p:cSld>
+  <p:clrMapOvr>
+    <a:masterClrMapping/>
+  </p:clrMapOvr>
+</p:sld>
+</file>
+
+<file path=ppt/slides/slide5.xml><?xml version="1.0" encoding="utf-8"?>
+<p:sld xmlns:a="http://schemas.openxmlformats.org/drawingml/2006/main" xmlns:r="http://schemas.openxmlformats.org/officeDocument/2006/relationships" xmlns:p="http://schemas.openxmlformats.org/presentationml/2006/main">
+  <p:cSld>
+    <p:spTree>
+      <p:nvGrpSpPr>
+        <p:cNvPr id="1" name=""/>
+        <p:cNvGrpSpPr/>
+        <p:nvPr/>
+      </p:nvGrpSpPr>
+      <p:grpSpPr>
+        <a:xfrm>
+          <a:off x="0" y="0"/>
+          <a:ext cx="0" cy="0"/>
+          <a:chOff x="0" y="0"/>
+          <a:chExt cx="0" cy="0"/>
+        </a:xfrm>
+      </p:grpSpPr>
+      <p:sp xmlns:a="http://schemas.openxmlformats.org/drawingml/2006/main" xmlns:r="http://schemas.openxmlformats.org/officeDocument/2006/relationships" xmlns:p="http://schemas.openxmlformats.org/presentationml/2006/main">
+        <p:nvSpPr>
+          <p:cNvPr id="2" name=""/>
+          <p:cNvSpPr>
+            <a:spLocks noGrp="1"/>
+          </p:cNvSpPr>
+          <p:nvPr>
+            <p:ph type="title"/>
+          </p:nvPr>
+        </p:nvSpPr>
+        <p:spPr>
+          <a:xfrm>
+            <a:off x="251520" y="548680"/>
+            <a:ext cx="8640960" cy="706090"/>
+          </a:xfrm>
+        </p:spPr>
+        <p:txBody>
+          <a:bodyPr/>
+          <a:lstStyle/>
+          <a:p>
+            <a:r>
+              <a:rPr/>
+              <a:t>Images can be inserted from files</a:t>
+            </a:r>
+          </a:p>
+        </p:txBody>
+      </p:sp>
+      <p:sp xmlns:a="http://schemas.openxmlformats.org/drawingml/2006/main" xmlns:r="http://schemas.openxmlformats.org/officeDocument/2006/relationships" xmlns:p="http://schemas.openxmlformats.org/presentationml/2006/main">
+        <p:nvSpPr>
+          <p:cNvPr id="3" name=""/>
+          <p:cNvSpPr>
+            <a:spLocks noGrp="1"/>
+          </p:cNvSpPr>
+          <p:nvPr>
+            <p:ph sz="quarter" idx="13"/>
+          </p:nvPr>
+        </p:nvSpPr>
+        <p:spPr>
+          <a:xfrm>
+            <a:off x="251520" y="1038746"/>
+            <a:ext cx="8640959" cy="360362"/>
+          </a:xfrm>
+        </p:spPr>
+        <p:txBody>
+          <a:bodyPr/>
+          <a:lstStyle/>
+          <a:p>
+            <a:r>
+              <a:rPr/>
+              <a:t>But the image should have the same aspect ratio as the placeholder</a:t>
+            </a:r>
+          </a:p>
+        </p:txBody>
+      </p:sp>
+      <p:pic xmlns:a="http://schemas.openxmlformats.org/drawingml/2006/main" xmlns:r="http://schemas.openxmlformats.org/officeDocument/2006/relationships" xmlns:p="http://schemas.openxmlformats.org/presentationml/2006/main">
+        <p:nvPicPr>
+          <p:cNvPr id="4" name="pic"/>
+          <p:cNvPicPr/>
+          <p:nvPr/>
+        </p:nvPicPr>
+        <p:blipFill>
+          <a:blip cstate="print" r:embed="rId2"/>
+          <a:stretch>
+            <a:fillRect/>
+          </a:stretch>
+        </p:blipFill>
+        <p:spPr>
+          <a:xfrm>
+            <a:off x="251520" y="1600200"/>
+            <a:ext cx="8640960" cy="4637112"/>
+          </a:xfrm>
+          <a:prstGeom prst="rect">
+            <a:avLst/>
+          </a:prstGeom>
+        </p:spPr>
+      </p:pic>
+    </p:spTree>
+  </p:cSld>
+  <p:clrMapOvr>
+    <a:masterClrMapping/>
+  </p:clrMapOvr>
+</p:sld>
+</file>
+
+<file path=ppt/slides/slide6.xml><?xml version="1.0" encoding="utf-8"?>
+<p:sld xmlns:a="http://schemas.openxmlformats.org/drawingml/2006/main" xmlns:r="http://schemas.openxmlformats.org/officeDocument/2006/relationships" xmlns:p="http://schemas.openxmlformats.org/presentationml/2006/main">
+  <p:cSld>
+    <p:spTree>
+      <p:nvGrpSpPr>
+        <p:cNvPr id="1" name=""/>
+        <p:cNvGrpSpPr/>
+        <p:nvPr/>
+      </p:nvGrpSpPr>
+      <p:grpSpPr>
+        <a:xfrm>
+          <a:off x="0" y="0"/>
+          <a:ext cx="0" cy="0"/>
+          <a:chOff x="0" y="0"/>
+          <a:chExt cx="0" cy="0"/>
+        </a:xfrm>
+      </p:grpSpPr>
+      <p:sp xmlns:a="http://schemas.openxmlformats.org/drawingml/2006/main" xmlns:r="http://schemas.openxmlformats.org/officeDocument/2006/relationships" xmlns:p="http://schemas.openxmlformats.org/presentationml/2006/main">
+        <p:nvSpPr>
+          <p:cNvPr id="2" name=""/>
+          <p:cNvSpPr>
+            <a:spLocks noGrp="1"/>
+          </p:cNvSpPr>
+          <p:nvPr>
+            <p:ph type="title"/>
+          </p:nvPr>
+        </p:nvSpPr>
+        <p:spPr>
+          <a:xfrm>
+            <a:off x="251520" y="548680"/>
+            <a:ext cx="8640960" cy="706090"/>
+          </a:xfrm>
+        </p:spPr>
+        <p:txBody>
+          <a:bodyPr/>
+          <a:lstStyle/>
+          <a:p>
+            <a:r>
+              <a:rPr/>
+              <a:t>Simple Tables</a:t>
+            </a:r>
+          </a:p>
+        </p:txBody>
+      </p:sp>
+      <p:graphicFrame xmlns:a="http://schemas.openxmlformats.org/drawingml/2006/main" xmlns:r="http://schemas.openxmlformats.org/officeDocument/2006/relationships" xmlns:p="http://schemas.openxmlformats.org/presentationml/2006/main">
+        <p:nvGraphicFramePr>
+          <p:cNvPr id="3" name=""/>
+          <p:cNvGraphicFramePr>
+            <a:graphicFrameLocks noGrp="true"/>
+          </p:cNvGraphicFramePr>
+          <p:nvPr/>
+        </p:nvGraphicFramePr>
+        <p:xfrm rot="0">
+          <a:off x="251520" y="1600200"/>
+          <a:ext cx="8640960" cy="4637112"/>
+        </p:xfrm>
+        <a:graphic>
+          <a:graphicData uri="http://schemas.openxmlformats.org/drawingml/2006/table">
+            <a:tbl>
+              <a:tblPr firstRow="1">
+                <a:tableStyleId>{5C22544A-7EE6-4342-B048-85BDC9FD1C3A}</a:tableStyleId>
+              </a:tblPr>
+              <a:tblGrid>
+                <a:gridCol w="1234422"/>
+                <a:gridCol w="1234422"/>
+                <a:gridCol w="1234422"/>
+                <a:gridCol w="1234422"/>
+                <a:gridCol w="1234422"/>
+                <a:gridCol w="1234422"/>
+                <a:gridCol w="1234422"/>
+              </a:tblGrid>
+              <a:tr h="2318556">
+                <a:tc>
+                  <a:txBody>
+                    <a:bodyPr/>
+                    <a:lstStyle/>
+                    <a:p>
+                      <a:r>
+                        <a:t>F1</a:t>
+                      </a:r>
+                    </a:p>
+                  </a:txBody>
+                </a:tc>
+                <a:tc>
+                  <a:txBody>
+                    <a:bodyPr/>
+                    <a:lstStyle/>
+                    <a:p>
+                      <a:r>
+                        <a:t>ka</a:t>
+                      </a:r>
+                    </a:p>
+                  </a:txBody>
+                </a:tc>
+                <a:tc>
+                  <a:txBody>
+                    <a:bodyPr/>
+                    <a:lstStyle/>
+                    <a:p>
+                      <a:r>
+                        <a:t>CL</a:t>
+                      </a:r>
+                    </a:p>
+                  </a:txBody>
+                </a:tc>
+                <a:tc>
+                  <a:txBody>
+                    <a:bodyPr/>
+                    <a:lstStyle/>
+                    <a:p>
+                      <a:r>
+                        <a:t>Vc</a:t>
+                      </a:r>
+                    </a:p>
+                  </a:txBody>
+                </a:tc>
+                <a:tc>
+                  <a:txBody>
+                    <a:bodyPr/>
+                    <a:lstStyle/>
+                    <a:p>
+                      <a:r>
+                        <a:t>Vp</a:t>
+                      </a:r>
+                    </a:p>
+                  </a:txBody>
+                </a:tc>
+                <a:tc>
+                  <a:txBody>
+                    <a:bodyPr/>
+                    <a:lstStyle/>
+                    <a:p>
+                      <a:r>
+                        <a:t>Q</a:t>
+                      </a:r>
+                    </a:p>
+                  </a:txBody>
+                </a:tc>
+                <a:tc>
+                  <a:txBody>
+                    <a:bodyPr/>
+                    <a:lstStyle/>
+                    <a:p>
+                      <a:r>
+                        <a:t>MW</a:t>
+                      </a:r>
+                    </a:p>
+                  </a:txBody>
+                </a:tc>
+              </a:tr>
+              <a:tr h="2318556">
+                <a:tc>
+                  <a:txBody>
+                    <a:bodyPr/>
+                    <a:lstStyle/>
+                    <a:p>
+                      <a:r>
+                        <a:t>0.744</a:t>
+                      </a:r>
+                    </a:p>
+                  </a:txBody>
+                </a:tc>
+                <a:tc>
+                  <a:txBody>
+                    <a:bodyPr/>
+                    <a:lstStyle/>
+                    <a:p>
+                      <a:r>
+                        <a:t>0.282</a:t>
+                      </a:r>
+                    </a:p>
+                  </a:txBody>
+                </a:tc>
+                <a:tc>
+                  <a:txBody>
+                    <a:bodyPr/>
+                    <a:lstStyle/>
+                    <a:p>
+                      <a:r>
+                        <a:t>0.2</a:t>
+                      </a:r>
+                    </a:p>
+                  </a:txBody>
+                </a:tc>
+                <a:tc>
+                  <a:txBody>
+                    <a:bodyPr/>
+                    <a:lstStyle/>
+                    <a:p>
+                      <a:r>
+                        <a:t>3.61</a:t>
+                      </a:r>
+                    </a:p>
+                  </a:txBody>
+                </a:tc>
+                <a:tc>
+                  <a:txBody>
+                    <a:bodyPr/>
+                    <a:lstStyle/>
+                    <a:p>
+                      <a:r>
+                        <a:t>2.75</a:t>
+                      </a:r>
+                    </a:p>
+                  </a:txBody>
+                </a:tc>
+                <a:tc>
+                  <a:txBody>
+                    <a:bodyPr/>
+                    <a:lstStyle/>
+                    <a:p>
+                      <a:r>
+                        <a:t>0.747</a:t>
+                      </a:r>
+                    </a:p>
+                  </a:txBody>
+                </a:tc>
+                <a:tc>
+                  <a:txBody>
+                    <a:bodyPr/>
+                    <a:lstStyle/>
+                    <a:p>
+                      <a:r>
+                        <a:t>140</a:t>
+                      </a:r>
+                    </a:p>
+                  </a:txBody>
+                </a:tc>
+              </a:tr>
+            </a:tbl>
+          </a:graphicData>
+        </a:graphic>
+      </p:graphicFrame>
+    </p:spTree>
+  </p:cSld>
+  <p:clrMapOvr>
+    <a:masterClrMapping/>
+  </p:clrMapOvr>
+</p:sld>
+</file>
+
+<file path=ppt/slides/slide7.xml><?xml version="1.0" encoding="utf-8"?>
+<p:sld xmlns:a="http://schemas.openxmlformats.org/drawingml/2006/main" xmlns:r="http://schemas.openxmlformats.org/officeDocument/2006/relationships" xmlns:p="http://schemas.openxmlformats.org/presentationml/2006/main">
+  <p:cSld>
+    <p:spTree>
+      <p:nvGrpSpPr>
+        <p:cNvPr id="1" name=""/>
+        <p:cNvGrpSpPr/>
+        <p:nvPr/>
+      </p:nvGrpSpPr>
+      <p:grpSpPr>
+        <a:xfrm>
+          <a:off x="0" y="0"/>
+          <a:ext cx="0" cy="0"/>
+          <a:chOff x="0" y="0"/>
+          <a:chExt cx="0" cy="0"/>
+        </a:xfrm>
+      </p:grpSpPr>
+      <p:sp xmlns:a="http://schemas.openxmlformats.org/drawingml/2006/main" xmlns:r="http://schemas.openxmlformats.org/officeDocument/2006/relationships" xmlns:p="http://schemas.openxmlformats.org/presentationml/2006/main">
+        <p:nvSpPr>
+          <p:cNvPr id="2" name=""/>
+          <p:cNvSpPr>
+            <a:spLocks noGrp="1"/>
+          </p:cNvSpPr>
+          <p:nvPr>
+            <p:ph type="title"/>
+          </p:nvPr>
+        </p:nvSpPr>
+        <p:spPr>
+          <a:xfrm>
+            <a:off x="251520" y="548680"/>
+            <a:ext cx="8640960" cy="706090"/>
+          </a:xfrm>
+        </p:spPr>
+        <p:txBody>
+          <a:bodyPr/>
+          <a:lstStyle/>
+          <a:p>
+            <a:r>
+              <a:rPr/>
+              <a:t>Flextables</a:t>
+            </a:r>
+          </a:p>
+        </p:txBody>
+      </p:sp>
+      <p:graphicFrame xmlns:a="http://schemas.openxmlformats.org/drawingml/2006/main" xmlns:r="http://schemas.openxmlformats.org/officeDocument/2006/relationships" xmlns:p="http://schemas.openxmlformats.org/presentationml/2006/main">
+        <p:nvGraphicFramePr>
+          <p:cNvPr id="3" name=""/>
+          <p:cNvGraphicFramePr>
+            <a:graphicFrameLocks noGrp="true"/>
+          </p:cNvGraphicFramePr>
+          <p:nvPr/>
+        </p:nvGraphicFramePr>
+        <p:xfrm rot="0">
+          <a:off x="251520" y="1600200"/>
+          <a:ext cx="8640960" cy="4637112"/>
+        </p:xfrm>
+        <a:graphic>
+          <a:graphicData uri="http://schemas.openxmlformats.org/drawingml/2006/table">
+            <a:tbl>
+              <a:tblPr/>
+              <a:tblGrid>
+                <a:gridCol w="476983"/>
+                <a:gridCol w="476983"/>
+                <a:gridCol w="476983"/>
+                <a:gridCol w="476983"/>
+                <a:gridCol w="476983"/>
+                <a:gridCol w="476983"/>
+                <a:gridCol w="618246"/>
+              </a:tblGrid>
+              <a:tr h="275061">
+                <a:tc>
+                  <a:txBody>
+                    <a:bodyPr/>
+                    <a:lstStyle/>
+                    <a:p>
+                      <a:pPr algn="ctr" marL="25400" marR="25400">
+                        <a:spcBef>
+                          <a:spcPts val="200"/>
+                        </a:spcBef>
+                        <a:spcAft>
+                          <a:spcPts val="200"/>
+                        </a:spcAft>
+                        <a:buNone/>
+                      </a:pPr>
+                      <a:r>
+                        <a:rPr sz="1000" b="1">
+                          <a:solidFill>
+                            <a:srgbClr val="000000">
+                              <a:alpha val="100000"/>
+                            </a:srgbClr>
+                          </a:solidFill>
+                          <a:latin typeface="Arial"/>
+                          <a:cs typeface="Arial"/>
+                        </a:rPr>
+                        <a:t>F1</a:t>
+                      </a:r>
+                    </a:p>
+                  </a:txBody>
+                  <a:tcPr anchor="ctr" marB="0" marT="0" marR="0" marL="0">
+                    <a:lnL algn="ctr" cmpd="sng" cap="flat" w="0">
+                      <a:noFill/>
+                      <a:prstDash val="solid"/>
+                    </a:lnL>
+                    <a:lnR algn="ctr" cmpd="sng" cap="flat" w="0">
+                      <a:noFill/>
+                      <a:prstDash val="solid"/>
+                    </a:lnR>
+                    <a:lnT algn="ctr" cmpd="sng" cap="flat" w="12700">
+                      <a:solidFill>
+                        <a:srgbClr val="333333">
+                          <a:alpha val="100000"/>
+                        </a:srgbClr>
+                      </a:solidFill>
+                      <a:prstDash val="solid"/>
+                    </a:lnT>
+                    <a:lnB algn="ctr" cmpd="sng" cap="flat" w="12700">
+                      <a:solidFill>
+                        <a:srgbClr val="333333">
+                          <a:alpha val="100000"/>
+                        </a:srgbClr>
+                      </a:solidFill>
+                      <a:prstDash val="solid"/>
+                    </a:lnB>
+                  </a:tcPr>
+                </a:tc>
+                <a:tc>
+                  <a:txBody>
+                    <a:bodyPr/>
+                    <a:lstStyle/>
+                    <a:p>
+                      <a:pPr algn="ctr" marL="25400" marR="25400">
+                        <a:spcBef>
+                          <a:spcPts val="200"/>
+                        </a:spcBef>
+                        <a:spcAft>
+                          <a:spcPts val="200"/>
+                        </a:spcAft>
+                        <a:buNone/>
+                      </a:pPr>
+                      <a:r>
+                        <a:rPr sz="1000" b="1">
+                          <a:solidFill>
+                            <a:srgbClr val="000000">
+                              <a:alpha val="100000"/>
+                            </a:srgbClr>
+                          </a:solidFill>
+                          <a:latin typeface="Arial"/>
+                          <a:cs typeface="Arial"/>
+                        </a:rPr>
+                        <a:t>ka</a:t>
+                      </a:r>
+                    </a:p>
+                  </a:txBody>
+                  <a:tcPr anchor="ctr" marB="0" marT="0" marR="0" marL="0">
+                    <a:lnL algn="ctr" cmpd="sng" cap="flat" w="0">
+                      <a:noFill/>
+                      <a:prstDash val="solid"/>
+                    </a:lnL>
+                    <a:lnR algn="ctr" cmpd="sng" cap="flat" w="0">
+                      <a:noFill/>
+                      <a:prstDash val="solid"/>
+                    </a:lnR>
+                    <a:lnT algn="ctr" cmpd="sng" cap="flat" w="12700">
+                      <a:solidFill>
+                        <a:srgbClr val="333333">
+                          <a:alpha val="100000"/>
+                        </a:srgbClr>
+                      </a:solidFill>
+                      <a:prstDash val="solid"/>
+                    </a:lnT>
+                    <a:lnB algn="ctr" cmpd="sng" cap="flat" w="12700">
+                      <a:solidFill>
+                        <a:srgbClr val="333333">
+                          <a:alpha val="100000"/>
+                        </a:srgbClr>
+                      </a:solidFill>
+                      <a:prstDash val="solid"/>
+                    </a:lnB>
+                  </a:tcPr>
+                </a:tc>
+                <a:tc>
+                  <a:txBody>
+                    <a:bodyPr/>
+                    <a:lstStyle/>
+                    <a:p>
+                      <a:pPr algn="ctr" marL="25400" marR="25400">
+                        <a:spcBef>
+                          <a:spcPts val="200"/>
+                        </a:spcBef>
+                        <a:spcAft>
+                          <a:spcPts val="200"/>
+                        </a:spcAft>
+                        <a:buNone/>
+                      </a:pPr>
+                      <a:r>
+                        <a:rPr sz="1000" b="1">
+                          <a:solidFill>
+                            <a:srgbClr val="000000">
+                              <a:alpha val="100000"/>
+                            </a:srgbClr>
+                          </a:solidFill>
+                          <a:latin typeface="Arial"/>
+                          <a:cs typeface="Arial"/>
+                        </a:rPr>
+                        <a:t>CL</a:t>
+                      </a:r>
+                    </a:p>
+                  </a:txBody>
+                  <a:tcPr anchor="ctr" marB="0" marT="0" marR="0" marL="0">
+                    <a:lnL algn="ctr" cmpd="sng" cap="flat" w="0">
+                      <a:noFill/>
+                      <a:prstDash val="solid"/>
+                    </a:lnL>
+                    <a:lnR algn="ctr" cmpd="sng" cap="flat" w="0">
+                      <a:noFill/>
+                      <a:prstDash val="solid"/>
+                    </a:lnR>
+                    <a:lnT algn="ctr" cmpd="sng" cap="flat" w="12700">
+                      <a:solidFill>
+                        <a:srgbClr val="333333">
+                          <a:alpha val="100000"/>
+                        </a:srgbClr>
+                      </a:solidFill>
+                      <a:prstDash val="solid"/>
+                    </a:lnT>
+                    <a:lnB algn="ctr" cmpd="sng" cap="flat" w="12700">
+                      <a:solidFill>
+                        <a:srgbClr val="333333">
+                          <a:alpha val="100000"/>
+                        </a:srgbClr>
+                      </a:solidFill>
+                      <a:prstDash val="solid"/>
+                    </a:lnB>
+                  </a:tcPr>
+                </a:tc>
+                <a:tc>
+                  <a:txBody>
+                    <a:bodyPr/>
+                    <a:lstStyle/>
+                    <a:p>
+                      <a:pPr algn="ctr" marL="25400" marR="25400">
+                        <a:spcBef>
+                          <a:spcPts val="200"/>
+                        </a:spcBef>
+                        <a:spcAft>
+                          <a:spcPts val="200"/>
+                        </a:spcAft>
+                        <a:buNone/>
+                      </a:pPr>
+                      <a:r>
+                        <a:rPr sz="1000" b="1">
+                          <a:solidFill>
+                            <a:srgbClr val="000000">
+                              <a:alpha val="100000"/>
+                            </a:srgbClr>
+                          </a:solidFill>
+                          <a:latin typeface="Arial"/>
+                          <a:cs typeface="Arial"/>
+                        </a:rPr>
+                        <a:t>Vc</a:t>
+                      </a:r>
+                    </a:p>
+                  </a:txBody>
+                  <a:tcPr anchor="ctr" marB="0" marT="0" marR="0" marL="0">
+                    <a:lnL algn="ctr" cmpd="sng" cap="flat" w="0">
+                      <a:noFill/>
+                      <a:prstDash val="solid"/>
+                    </a:lnL>
+                    <a:lnR algn="ctr" cmpd="sng" cap="flat" w="0">
+                      <a:noFill/>
+                      <a:prstDash val="solid"/>
+                    </a:lnR>
+                    <a:lnT algn="ctr" cmpd="sng" cap="flat" w="12700">
+                      <a:solidFill>
+                        <a:srgbClr val="333333">
+                          <a:alpha val="100000"/>
+                        </a:srgbClr>
+                      </a:solidFill>
+                      <a:prstDash val="solid"/>
+                    </a:lnT>
+                    <a:lnB algn="ctr" cmpd="sng" cap="flat" w="12700">
+                      <a:solidFill>
+                        <a:srgbClr val="333333">
+                          <a:alpha val="100000"/>
+                        </a:srgbClr>
+                      </a:solidFill>
+                      <a:prstDash val="solid"/>
+                    </a:lnB>
+                  </a:tcPr>
+                </a:tc>
+                <a:tc>
+                  <a:txBody>
+                    <a:bodyPr/>
+                    <a:lstStyle/>
+                    <a:p>
+                      <a:pPr algn="ctr" marL="25400" marR="25400">
+                        <a:spcBef>
+                          <a:spcPts val="200"/>
+                        </a:spcBef>
+                        <a:spcAft>
+                          <a:spcPts val="200"/>
+                        </a:spcAft>
+                        <a:buNone/>
+                      </a:pPr>
+                      <a:r>
+                        <a:rPr sz="1000" b="1">
+                          <a:solidFill>
+                            <a:srgbClr val="000000">
+                              <a:alpha val="100000"/>
+                            </a:srgbClr>
+                          </a:solidFill>
+                          <a:latin typeface="Arial"/>
+                          <a:cs typeface="Arial"/>
+                        </a:rPr>
+                        <a:t>Vp</a:t>
+                      </a:r>
+                    </a:p>
+                  </a:txBody>
+                  <a:tcPr anchor="ctr" marB="0" marT="0" marR="0" marL="0">
+                    <a:lnL algn="ctr" cmpd="sng" cap="flat" w="0">
+                      <a:noFill/>
+                      <a:prstDash val="solid"/>
+                    </a:lnL>
+                    <a:lnR algn="ctr" cmpd="sng" cap="flat" w="0">
+                      <a:noFill/>
+                      <a:prstDash val="solid"/>
+                    </a:lnR>
+                    <a:lnT algn="ctr" cmpd="sng" cap="flat" w="12700">
+                      <a:solidFill>
+                        <a:srgbClr val="333333">
+                          <a:alpha val="100000"/>
+                        </a:srgbClr>
+                      </a:solidFill>
+                      <a:prstDash val="solid"/>
+                    </a:lnT>
+                    <a:lnB algn="ctr" cmpd="sng" cap="flat" w="12700">
+                      <a:solidFill>
+                        <a:srgbClr val="333333">
+                          <a:alpha val="100000"/>
+                        </a:srgbClr>
+                      </a:solidFill>
+                      <a:prstDash val="solid"/>
+                    </a:lnB>
+                  </a:tcPr>
+                </a:tc>
+                <a:tc>
+                  <a:txBody>
+                    <a:bodyPr/>
+                    <a:lstStyle/>
+                    <a:p>
+                      <a:pPr algn="ctr" marL="25400" marR="25400">
+                        <a:spcBef>
+                          <a:spcPts val="200"/>
+                        </a:spcBef>
+                        <a:spcAft>
+                          <a:spcPts val="200"/>
+                        </a:spcAft>
+                        <a:buNone/>
+                      </a:pPr>
+                      <a:r>
+                        <a:rPr sz="1000" b="1">
+                          <a:solidFill>
+                            <a:srgbClr val="000000">
+                              <a:alpha val="100000"/>
+                            </a:srgbClr>
+                          </a:solidFill>
+                          <a:latin typeface="Arial"/>
+                          <a:cs typeface="Arial"/>
+                        </a:rPr>
+                        <a:t>Q</a:t>
+                      </a:r>
+                    </a:p>
+                  </a:txBody>
+                  <a:tcPr anchor="ctr" marB="0" marT="0" marR="0" marL="0">
+                    <a:lnL algn="ctr" cmpd="sng" cap="flat" w="0">
+                      <a:noFill/>
+                      <a:prstDash val="solid"/>
+                    </a:lnL>
+                    <a:lnR algn="ctr" cmpd="sng" cap="flat" w="0">
+                      <a:noFill/>
+                      <a:prstDash val="solid"/>
+                    </a:lnR>
+                    <a:lnT algn="ctr" cmpd="sng" cap="flat" w="12700">
+                      <a:solidFill>
+                        <a:srgbClr val="333333">
+                          <a:alpha val="100000"/>
+                        </a:srgbClr>
+                      </a:solidFill>
+                      <a:prstDash val="solid"/>
+                    </a:lnT>
+                    <a:lnB algn="ctr" cmpd="sng" cap="flat" w="12700">
+                      <a:solidFill>
+                        <a:srgbClr val="333333">
+                          <a:alpha val="100000"/>
+                        </a:srgbClr>
+                      </a:solidFill>
+                      <a:prstDash val="solid"/>
+                    </a:lnB>
+                  </a:tcPr>
+                </a:tc>
+                <a:tc>
+                  <a:txBody>
+                    <a:bodyPr/>
+                    <a:lstStyle/>
+                    <a:p>
+                      <a:pPr algn="ctr" marL="25400" marR="25400">
+                        <a:spcBef>
+                          <a:spcPts val="200"/>
+                        </a:spcBef>
+                        <a:spcAft>
+                          <a:spcPts val="200"/>
+                        </a:spcAft>
+                        <a:buNone/>
+                      </a:pPr>
+                      <a:r>
+                        <a:rPr sz="1000" b="1">
+                          <a:solidFill>
+                            <a:srgbClr val="000000">
+                              <a:alpha val="100000"/>
+                            </a:srgbClr>
+                          </a:solidFill>
+                          <a:latin typeface="Arial"/>
+                          <a:cs typeface="Arial"/>
+                        </a:rPr>
+                        <a:t>MW</a:t>
+                      </a:r>
+                    </a:p>
+                  </a:txBody>
+                  <a:tcPr anchor="ctr" marB="0" marT="0" marR="0" marL="0">
+                    <a:lnL algn="ctr" cmpd="sng" cap="flat" w="0">
+                      <a:noFill/>
+                      <a:prstDash val="solid"/>
+                    </a:lnL>
+                    <a:lnR algn="ctr" cmpd="sng" cap="flat" w="0">
+                      <a:noFill/>
+                      <a:prstDash val="solid"/>
+                    </a:lnR>
+                    <a:lnT algn="ctr" cmpd="sng" cap="flat" w="12700">
+                      <a:solidFill>
+                        <a:srgbClr val="333333">
+                          <a:alpha val="100000"/>
+                        </a:srgbClr>
+                      </a:solidFill>
+                      <a:prstDash val="solid"/>
+                    </a:lnT>
+                    <a:lnB algn="ctr" cmpd="sng" cap="flat" w="12700">
+                      <a:solidFill>
+                        <a:srgbClr val="333333">
+                          <a:alpha val="100000"/>
+                        </a:srgbClr>
+                      </a:solidFill>
+                      <a:prstDash val="solid"/>
+                    </a:lnB>
+                  </a:tcPr>
+                </a:tc>
+              </a:tr>
+              <a:tr h="252042">
+                <a:tc>
+                  <a:txBody>
+                    <a:bodyPr/>
+                    <a:lstStyle/>
+                    <a:p>
+                      <a:pPr algn="ctr" marL="25400" marR="25400">
+                        <a:spcBef>
+                          <a:spcPts val="200"/>
+                        </a:spcBef>
+                        <a:spcAft>
+                          <a:spcPts val="200"/>
+                        </a:spcAft>
+                        <a:buNone/>
+                      </a:pPr>
+                      <a:r>
+                        <a:rPr sz="1000">
+                          <a:solidFill>
+                            <a:srgbClr val="000000">
+                              <a:alpha val="100000"/>
+                            </a:srgbClr>
+                          </a:solidFill>
+                          <a:latin typeface="Arial"/>
+                          <a:cs typeface="Arial"/>
+                        </a:rPr>
+                        <a:t>0.744</a:t>
+                      </a:r>
+                    </a:p>
+                  </a:txBody>
+                  <a:tcPr anchor="ctr" marB="0" marT="0" marR="0" marL="0">
+                    <a:lnL algn="ctr" cmpd="sng" cap="flat" w="0">
+                      <a:noFill/>
+                      <a:prstDash val="solid"/>
+                    </a:lnL>
+                    <a:lnR algn="ctr" cmpd="sng" cap="flat" w="0">
+                      <a:noFill/>
+                      <a:prstDash val="solid"/>
+                    </a:lnR>
+                    <a:lnT algn="ctr" cmpd="sng" cap="flat" w="12700">
+                      <a:solidFill>
+                        <a:srgbClr val="333333">
+                          <a:alpha val="100000"/>
+                        </a:srgbClr>
+                      </a:solidFill>
+                      <a:prstDash val="solid"/>
+                    </a:lnT>
+                    <a:lnB algn="ctr" cmpd="sng" cap="flat" w="12700">
+                      <a:solidFill>
+                        <a:srgbClr val="333333">
+                          <a:alpha val="100000"/>
+                        </a:srgbClr>
+                      </a:solidFill>
+                      <a:prstDash val="solid"/>
+                    </a:lnB>
+                  </a:tcPr>
+                </a:tc>
+                <a:tc>
+                  <a:txBody>
+                    <a:bodyPr/>
+                    <a:lstStyle/>
+                    <a:p>
+                      <a:pPr algn="ctr" marL="25400" marR="25400">
+                        <a:spcBef>
+                          <a:spcPts val="200"/>
+                        </a:spcBef>
+                        <a:spcAft>
+                          <a:spcPts val="200"/>
+                        </a:spcAft>
+                        <a:buNone/>
+                      </a:pPr>
+                      <a:r>
+                        <a:rPr sz="1000">
+                          <a:solidFill>
+                            <a:srgbClr val="000000">
+                              <a:alpha val="100000"/>
+                            </a:srgbClr>
+                          </a:solidFill>
+                          <a:latin typeface="Arial"/>
+                          <a:cs typeface="Arial"/>
+                        </a:rPr>
+                        <a:t>0.282</a:t>
+                      </a:r>
+                    </a:p>
+                  </a:txBody>
+                  <a:tcPr anchor="ctr" marB="0" marT="0" marR="0" marL="0">
+                    <a:lnL algn="ctr" cmpd="sng" cap="flat" w="0">
+                      <a:noFill/>
+                      <a:prstDash val="solid"/>
+                    </a:lnL>
+                    <a:lnR algn="ctr" cmpd="sng" cap="flat" w="0">
+                      <a:noFill/>
+                      <a:prstDash val="solid"/>
+                    </a:lnR>
+                    <a:lnT algn="ctr" cmpd="sng" cap="flat" w="12700">
+                      <a:solidFill>
+                        <a:srgbClr val="333333">
+                          <a:alpha val="100000"/>
+                        </a:srgbClr>
+                      </a:solidFill>
+                      <a:prstDash val="solid"/>
+                    </a:lnT>
+                    <a:lnB algn="ctr" cmpd="sng" cap="flat" w="12700">
+                      <a:solidFill>
+                        <a:srgbClr val="333333">
+                          <a:alpha val="100000"/>
+                        </a:srgbClr>
+                      </a:solidFill>
+                      <a:prstDash val="solid"/>
+                    </a:lnB>
+                  </a:tcPr>
+                </a:tc>
+                <a:tc>
+                  <a:txBody>
+                    <a:bodyPr/>
+                    <a:lstStyle/>
+                    <a:p>
+                      <a:pPr algn="ctr" marL="25400" marR="25400">
+                        <a:spcBef>
+                          <a:spcPts val="200"/>
+                        </a:spcBef>
+                        <a:spcAft>
+                          <a:spcPts val="200"/>
+                        </a:spcAft>
+                        <a:buNone/>
+                      </a:pPr>
+                      <a:r>
+                        <a:rPr sz="1000">
+                          <a:solidFill>
+                            <a:srgbClr val="000000">
+                              <a:alpha val="100000"/>
+                            </a:srgbClr>
+                          </a:solidFill>
+                          <a:latin typeface="Arial"/>
+                          <a:cs typeface="Arial"/>
+                        </a:rPr>
+                        <a:t>0.200</a:t>
+                      </a:r>
+                    </a:p>
+                  </a:txBody>
+                  <a:tcPr anchor="ctr" marB="0" marT="0" marR="0" marL="0">
+                    <a:lnL algn="ctr" cmpd="sng" cap="flat" w="0">
+                      <a:noFill/>
+                      <a:prstDash val="solid"/>
+                    </a:lnL>
+                    <a:lnR algn="ctr" cmpd="sng" cap="flat" w="0">
+                      <a:noFill/>
+                      <a:prstDash val="solid"/>
+                    </a:lnR>
+                    <a:lnT algn="ctr" cmpd="sng" cap="flat" w="12700">
+                      <a:solidFill>
+                        <a:srgbClr val="333333">
+                          <a:alpha val="100000"/>
+                        </a:srgbClr>
+                      </a:solidFill>
+                      <a:prstDash val="solid"/>
+                    </a:lnT>
+                    <a:lnB algn="ctr" cmpd="sng" cap="flat" w="12700">
+                      <a:solidFill>
+                        <a:srgbClr val="333333">
+                          <a:alpha val="100000"/>
+                        </a:srgbClr>
+                      </a:solidFill>
+                      <a:prstDash val="solid"/>
+                    </a:lnB>
+                  </a:tcPr>
+                </a:tc>
+                <a:tc>
+                  <a:txBody>
+                    <a:bodyPr/>
+                    <a:lstStyle/>
+                    <a:p>
+                      <a:pPr algn="ctr" marL="25400" marR="25400">
+                        <a:spcBef>
+                          <a:spcPts val="200"/>
+                        </a:spcBef>
+                        <a:spcAft>
+                          <a:spcPts val="200"/>
+                        </a:spcAft>
+                        <a:buNone/>
+                      </a:pPr>
+                      <a:r>
+                        <a:rPr sz="1000">
+                          <a:solidFill>
+                            <a:srgbClr val="000000">
+                              <a:alpha val="100000"/>
+                            </a:srgbClr>
+                          </a:solidFill>
+                          <a:latin typeface="Arial"/>
+                          <a:cs typeface="Arial"/>
+                        </a:rPr>
+                        <a:t>3.610</a:t>
+                      </a:r>
+                    </a:p>
+                  </a:txBody>
+                  <a:tcPr anchor="ctr" marB="0" marT="0" marR="0" marL="0">
+                    <a:lnL algn="ctr" cmpd="sng" cap="flat" w="0">
+                      <a:noFill/>
+                      <a:prstDash val="solid"/>
+                    </a:lnL>
+                    <a:lnR algn="ctr" cmpd="sng" cap="flat" w="0">
+                      <a:noFill/>
+                      <a:prstDash val="solid"/>
+                    </a:lnR>
+                    <a:lnT algn="ctr" cmpd="sng" cap="flat" w="12700">
+                      <a:solidFill>
+                        <a:srgbClr val="333333">
+                          <a:alpha val="100000"/>
+                        </a:srgbClr>
+                      </a:solidFill>
+                      <a:prstDash val="solid"/>
+                    </a:lnT>
+                    <a:lnB algn="ctr" cmpd="sng" cap="flat" w="12700">
+                      <a:solidFill>
+                        <a:srgbClr val="333333">
+                          <a:alpha val="100000"/>
+                        </a:srgbClr>
+                      </a:solidFill>
+                      <a:prstDash val="solid"/>
+                    </a:lnB>
+                  </a:tcPr>
+                </a:tc>
+                <a:tc>
+                  <a:txBody>
+                    <a:bodyPr/>
+                    <a:lstStyle/>
+                    <a:p>
+                      <a:pPr algn="ctr" marL="25400" marR="25400">
+                        <a:spcBef>
+                          <a:spcPts val="200"/>
+                        </a:spcBef>
+                        <a:spcAft>
+                          <a:spcPts val="200"/>
+                        </a:spcAft>
+                        <a:buNone/>
+                      </a:pPr>
+                      <a:r>
+                        <a:rPr sz="1000">
+                          <a:solidFill>
+                            <a:srgbClr val="000000">
+                              <a:alpha val="100000"/>
+                            </a:srgbClr>
+                          </a:solidFill>
+                          <a:latin typeface="Arial"/>
+                          <a:cs typeface="Arial"/>
+                        </a:rPr>
+                        <a:t>2.750</a:t>
+                      </a:r>
+                    </a:p>
+                  </a:txBody>
+                  <a:tcPr anchor="ctr" marB="0" marT="0" marR="0" marL="0">
+                    <a:lnL algn="ctr" cmpd="sng" cap="flat" w="0">
+                      <a:noFill/>
+                      <a:prstDash val="solid"/>
+                    </a:lnL>
+                    <a:lnR algn="ctr" cmpd="sng" cap="flat" w="0">
+                      <a:noFill/>
+                      <a:prstDash val="solid"/>
+                    </a:lnR>
+                    <a:lnT algn="ctr" cmpd="sng" cap="flat" w="12700">
+                      <a:solidFill>
+                        <a:srgbClr val="333333">
+                          <a:alpha val="100000"/>
+                        </a:srgbClr>
+                      </a:solidFill>
+                      <a:prstDash val="solid"/>
+                    </a:lnT>
+                    <a:lnB algn="ctr" cmpd="sng" cap="flat" w="12700">
+                      <a:solidFill>
+                        <a:srgbClr val="333333">
+                          <a:alpha val="100000"/>
+                        </a:srgbClr>
+                      </a:solidFill>
+                      <a:prstDash val="solid"/>
+                    </a:lnB>
+                  </a:tcPr>
+                </a:tc>
+                <a:tc>
+                  <a:txBody>
+                    <a:bodyPr/>
+                    <a:lstStyle/>
+                    <a:p>
+                      <a:pPr algn="ctr" marL="25400" marR="25400">
+                        <a:spcBef>
+                          <a:spcPts val="200"/>
+                        </a:spcBef>
+                        <a:spcAft>
+                          <a:spcPts val="200"/>
+                        </a:spcAft>
+                        <a:buNone/>
+                      </a:pPr>
+                      <a:r>
+                        <a:rPr sz="1000">
+                          <a:solidFill>
+                            <a:srgbClr val="000000">
+                              <a:alpha val="100000"/>
+                            </a:srgbClr>
+                          </a:solidFill>
+                          <a:latin typeface="Arial"/>
+                          <a:cs typeface="Arial"/>
+                        </a:rPr>
+                        <a:t>0.747</a:t>
+                      </a:r>
+                    </a:p>
+                  </a:txBody>
+                  <a:tcPr anchor="ctr" marB="0" marT="0" marR="0" marL="0">
+                    <a:lnL algn="ctr" cmpd="sng" cap="flat" w="0">
+                      <a:noFill/>
+                      <a:prstDash val="solid"/>
+                    </a:lnL>
+                    <a:lnR algn="ctr" cmpd="sng" cap="flat" w="0">
+                      <a:noFill/>
+                      <a:prstDash val="solid"/>
+                    </a:lnR>
+                    <a:lnT algn="ctr" cmpd="sng" cap="flat" w="12700">
+                      <a:solidFill>
+                        <a:srgbClr val="333333">
+                          <a:alpha val="100000"/>
+                        </a:srgbClr>
+                      </a:solidFill>
+                      <a:prstDash val="solid"/>
+                    </a:lnT>
+                    <a:lnB algn="ctr" cmpd="sng" cap="flat" w="12700">
+                      <a:solidFill>
+                        <a:srgbClr val="333333">
+                          <a:alpha val="100000"/>
+                        </a:srgbClr>
+                      </a:solidFill>
+                      <a:prstDash val="solid"/>
+                    </a:lnB>
+                  </a:tcPr>
+                </a:tc>
+                <a:tc>
+                  <a:txBody>
+                    <a:bodyPr/>
+                    <a:lstStyle/>
+                    <a:p>
+                      <a:pPr algn="ctr" marL="25400" marR="25400">
+                        <a:spcBef>
+                          <a:spcPts val="200"/>
+                        </a:spcBef>
+                        <a:spcAft>
+                          <a:spcPts val="200"/>
+                        </a:spcAft>
+                        <a:buNone/>
+                      </a:pPr>
+                      <a:r>
+                        <a:rPr sz="1000">
+                          <a:solidFill>
+                            <a:srgbClr val="000000">
+                              <a:alpha val="100000"/>
+                            </a:srgbClr>
+                          </a:solidFill>
+                          <a:latin typeface="Arial"/>
+                          <a:cs typeface="Arial"/>
+                        </a:rPr>
+                        <a:t>140.000</a:t>
+                      </a:r>
+                    </a:p>
+                  </a:txBody>
+                  <a:tcPr anchor="ctr" marB="0" marT="0" marR="0" marL="0">
+                    <a:lnL algn="ctr" cmpd="sng" cap="flat" w="0">
+                      <a:noFill/>
+                      <a:prstDash val="solid"/>
+                    </a:lnL>
+                    <a:lnR algn="ctr" cmpd="sng" cap="flat" w="0">
+                      <a:noFill/>
+                      <a:prstDash val="solid"/>
+                    </a:lnR>
+                    <a:lnT algn="ctr" cmpd="sng" cap="flat" w="12700">
+                      <a:solidFill>
+                        <a:srgbClr val="333333">
+                          <a:alpha val="100000"/>
+                        </a:srgbClr>
+                      </a:solidFill>
+                      <a:prstDash val="solid"/>
+                    </a:lnT>
+                    <a:lnB algn="ctr" cmpd="sng" cap="flat" w="12700">
+                      <a:solidFill>
+                        <a:srgbClr val="333333">
+                          <a:alpha val="100000"/>
+                        </a:srgbClr>
+                      </a:solidFill>
+                      <a:prstDash val="solid"/>
+                    </a:lnB>
+                  </a:tcPr>
+                </a:tc>
+              </a:tr>
+            </a:tbl>
+          </a:graphicData>
+        </a:graphic>
+      </p:graphicFrame>
+    </p:spTree>
+  </p:cSld>
+  <p:clrMapOvr>
+    <a:masterClrMapping/>
+  </p:clrMapOvr>
+</p:sld>
+</file>
+
+<file path=ppt/slides/slide8.xml><?xml version="1.0" encoding="utf-8"?>
+<p:sld xmlns:a="http://schemas.openxmlformats.org/drawingml/2006/main" xmlns:r="http://schemas.openxmlformats.org/officeDocument/2006/relationships" xmlns:p="http://schemas.openxmlformats.org/presentationml/2006/main">
+  <p:cSld>
+    <p:spTree>
+      <p:nvGrpSpPr>
+        <p:cNvPr id="1" name=""/>
+        <p:cNvGrpSpPr/>
+        <p:nvPr/>
+      </p:nvGrpSpPr>
+      <p:grpSpPr>
+        <a:xfrm>
+          <a:off x="0" y="0"/>
+          <a:ext cx="0" cy="0"/>
+          <a:chOff x="0" y="0"/>
+          <a:chExt cx="0" cy="0"/>
+        </a:xfrm>
+      </p:grpSpPr>
+      <p:sp xmlns:a="http://schemas.openxmlformats.org/drawingml/2006/main" xmlns:r="http://schemas.openxmlformats.org/officeDocument/2006/relationships" xmlns:p="http://schemas.openxmlformats.org/presentationml/2006/main">
+        <p:nvSpPr>
+          <p:cNvPr id="2" name=""/>
+          <p:cNvSpPr>
+            <a:spLocks noGrp="1"/>
+          </p:cNvSpPr>
+          <p:nvPr>
+            <p:ph type="title"/>
+          </p:nvPr>
+        </p:nvSpPr>
+        <p:spPr>
+          <a:xfrm>
+            <a:off x="251520" y="476672"/>
+            <a:ext cx="8640960" cy="778098"/>
+          </a:xfrm>
+        </p:spPr>
+        <p:txBody>
+          <a:bodyPr/>
+          <a:lstStyle/>
+          <a:p>
+            <a:r>
+              <a:rPr/>
+              <a:t>Two columns of lists</a:t>
+            </a:r>
+          </a:p>
+        </p:txBody>
+      </p:sp>
+      <p:sp xmlns:a="http://schemas.openxmlformats.org/drawingml/2006/main" xmlns:r="http://schemas.openxmlformats.org/officeDocument/2006/relationships" xmlns:p="http://schemas.openxmlformats.org/presentationml/2006/main">
+        <p:nvSpPr>
+          <p:cNvPr id="3" name=""/>
+          <p:cNvSpPr>
+            <a:spLocks noGrp="1"/>
+          </p:cNvSpPr>
+          <p:nvPr>
+            <p:ph sz="half" idx="1"/>
+          </p:nvPr>
+        </p:nvSpPr>
+        <p:spPr/>
+        <p:txBody xmlns:a="http://schemas.openxmlformats.org/drawingml/2006/main" xmlns:r="http://schemas.openxmlformats.org/officeDocument/2006/relationships" xmlns:p="http://schemas.openxmlformats.org/presentationml/2006/main">
+          <a:bodyPr/>
+          <a:lstStyle/>
+          <a:p>
+            <a:r xmlns:a="http://schemas.openxmlformats.org/drawingml/2006/main" xmlns:r="http://schemas.openxmlformats.org/officeDocument/2006/relationships" xmlns:p="http://schemas.openxmlformats.org/presentationml/2006/main">
+              <a:rPr>
+                <a:solidFill>
+                  <a:srgbClr val="000000">
+                    <a:alpha val="100000"/>
+                  </a:srgbClr>
+                </a:solidFill>
+                <a:latin typeface="Arial"/>
+                <a:cs typeface="Arial"/>
+              </a:rPr>
+              <a:t>Top level item</a:t>
+            </a:r>
+          </a:p>
+          <a:p xmlns:a="http://schemas.openxmlformats.org/drawingml/2006/main" xmlns:r="http://schemas.openxmlformats.org/officeDocument/2006/relationships" xmlns:p="http://schemas.openxmlformats.org/presentationml/2006/main">
+            <a:pPr lvl="1"/>
+            <a:r xmlns:a="http://schemas.openxmlformats.org/drawingml/2006/main" xmlns:r="http://schemas.openxmlformats.org/officeDocument/2006/relationships" xmlns:p="http://schemas.openxmlformats.org/presentationml/2006/main">
+              <a:rPr>
+                <a:solidFill>
+                  <a:srgbClr val="000000">
+                    <a:alpha val="100000"/>
+                  </a:srgbClr>
+                </a:solidFill>
+                <a:latin typeface="Arial"/>
+                <a:cs typeface="Arial"/>
+              </a:rPr>
+              <a:t>This is a sub bullet</a:t>
+            </a:r>
+          </a:p>
+          <a:p xmlns:a="http://schemas.openxmlformats.org/drawingml/2006/main" xmlns:r="http://schemas.openxmlformats.org/officeDocument/2006/relationships" xmlns:p="http://schemas.openxmlformats.org/presentationml/2006/main">
+            <a:pPr lvl="1"/>
+            <a:r xmlns:a="http://schemas.openxmlformats.org/drawingml/2006/main" xmlns:r="http://schemas.openxmlformats.org/officeDocument/2006/relationships" xmlns:p="http://schemas.openxmlformats.org/presentationml/2006/main">
+              <a:rPr>
+                <a:solidFill>
+                  <a:srgbClr val="000000">
+                    <a:alpha val="100000"/>
+                  </a:srgbClr>
+                </a:solidFill>
+                <a:latin typeface="Arial"/>
+                <a:cs typeface="Arial"/>
+              </a:rPr>
+              <a:t>This is another sub bullet</a:t>
+            </a:r>
+          </a:p>
+        </p:txBody>
+      </p:sp>
+      <p:graphicFrame xmlns:a="http://schemas.openxmlformats.org/drawingml/2006/main" xmlns:r="http://schemas.openxmlformats.org/officeDocument/2006/relationships" xmlns:p="http://schemas.openxmlformats.org/presentationml/2006/main">
+        <p:nvGraphicFramePr>
+          <p:cNvPr id="4" name=""/>
+          <p:cNvGraphicFramePr>
+            <a:graphicFrameLocks noGrp="true"/>
+          </p:cNvGraphicFramePr>
+          <p:nvPr/>
+        </p:nvGraphicFramePr>
+        <p:xfrm rot="0">
+          <a:off x="4648200" y="1600200"/>
+          <a:ext cx="4244280" cy="4637112"/>
+        </p:xfrm>
+        <a:graphic>
+          <a:graphicData uri="http://schemas.openxmlformats.org/drawingml/2006/table">
+            <a:tbl>
+              <a:tblPr/>
+              <a:tblGrid>
+                <a:gridCol w="476983"/>
+                <a:gridCol w="476983"/>
+                <a:gridCol w="476983"/>
+                <a:gridCol w="476983"/>
+                <a:gridCol w="476983"/>
+                <a:gridCol w="476983"/>
+                <a:gridCol w="618246"/>
+              </a:tblGrid>
+              <a:tr h="275061">
+                <a:tc>
+                  <a:txBody>
+                    <a:bodyPr/>
+                    <a:lstStyle/>
+                    <a:p>
+                      <a:pPr algn="ctr" marL="25400" marR="25400">
+                        <a:spcBef>
+                          <a:spcPts val="200"/>
+                        </a:spcBef>
+                        <a:spcAft>
+                          <a:spcPts val="200"/>
+                        </a:spcAft>
+                        <a:buNone/>
+                      </a:pPr>
+                      <a:r>
+                        <a:rPr sz="1000" b="1">
+                          <a:solidFill>
+                            <a:srgbClr val="000000">
+                              <a:alpha val="100000"/>
+                            </a:srgbClr>
+                          </a:solidFill>
+                          <a:latin typeface="Arial"/>
+                          <a:cs typeface="Arial"/>
+                        </a:rPr>
+                        <a:t>F1</a:t>
+                      </a:r>
+                    </a:p>
+                  </a:txBody>
+                  <a:tcPr anchor="ctr" marB="0" marT="0" marR="0" marL="0">
+                    <a:lnL algn="ctr" cmpd="sng" cap="flat" w="0">
+                      <a:noFill/>
+                      <a:prstDash val="solid"/>
+                    </a:lnL>
+                    <a:lnR algn="ctr" cmpd="sng" cap="flat" w="0">
+                      <a:noFill/>
+                      <a:prstDash val="solid"/>
+                    </a:lnR>
+                    <a:lnT algn="ctr" cmpd="sng" cap="flat" w="12700">
+                      <a:solidFill>
+                        <a:srgbClr val="333333">
+                          <a:alpha val="100000"/>
+                        </a:srgbClr>
+                      </a:solidFill>
+                      <a:prstDash val="solid"/>
+                    </a:lnT>
+                    <a:lnB algn="ctr" cmpd="sng" cap="flat" w="12700">
+                      <a:solidFill>
+                        <a:srgbClr val="333333">
+                          <a:alpha val="100000"/>
+                        </a:srgbClr>
+                      </a:solidFill>
+                      <a:prstDash val="solid"/>
+                    </a:lnB>
+                  </a:tcPr>
+                </a:tc>
+                <a:tc>
+                  <a:txBody>
+                    <a:bodyPr/>
+                    <a:lstStyle/>
+                    <a:p>
+                      <a:pPr algn="ctr" marL="25400" marR="25400">
+                        <a:spcBef>
+                          <a:spcPts val="200"/>
+                        </a:spcBef>
+                        <a:spcAft>
+                          <a:spcPts val="200"/>
+                        </a:spcAft>
+                        <a:buNone/>
+                      </a:pPr>
+                      <a:r>
+                        <a:rPr sz="1000" b="1">
+                          <a:solidFill>
+                            <a:srgbClr val="000000">
+                              <a:alpha val="100000"/>
+                            </a:srgbClr>
+                          </a:solidFill>
+                          <a:latin typeface="Arial"/>
+                          <a:cs typeface="Arial"/>
+                        </a:rPr>
+                        <a:t>ka</a:t>
+                      </a:r>
+                    </a:p>
+                  </a:txBody>
+                  <a:tcPr anchor="ctr" marB="0" marT="0" marR="0" marL="0">
+                    <a:lnL algn="ctr" cmpd="sng" cap="flat" w="0">
+                      <a:noFill/>
+                      <a:prstDash val="solid"/>
+                    </a:lnL>
+                    <a:lnR algn="ctr" cmpd="sng" cap="flat" w="0">
+                      <a:noFill/>
+                      <a:prstDash val="solid"/>
+                    </a:lnR>
+                    <a:lnT algn="ctr" cmpd="sng" cap="flat" w="12700">
+                      <a:solidFill>
+                        <a:srgbClr val="333333">
+                          <a:alpha val="100000"/>
+                        </a:srgbClr>
+                      </a:solidFill>
+                      <a:prstDash val="solid"/>
+                    </a:lnT>
+                    <a:lnB algn="ctr" cmpd="sng" cap="flat" w="12700">
+                      <a:solidFill>
+                        <a:srgbClr val="333333">
+                          <a:alpha val="100000"/>
+                        </a:srgbClr>
+                      </a:solidFill>
+                      <a:prstDash val="solid"/>
+                    </a:lnB>
+                  </a:tcPr>
+                </a:tc>
+                <a:tc>
+                  <a:txBody>
+                    <a:bodyPr/>
+                    <a:lstStyle/>
+                    <a:p>
+                      <a:pPr algn="ctr" marL="25400" marR="25400">
+                        <a:spcBef>
+                          <a:spcPts val="200"/>
+                        </a:spcBef>
+                        <a:spcAft>
+                          <a:spcPts val="200"/>
+                        </a:spcAft>
+                        <a:buNone/>
+                      </a:pPr>
+                      <a:r>
+                        <a:rPr sz="1000" b="1">
+                          <a:solidFill>
+                            <a:srgbClr val="000000">
+                              <a:alpha val="100000"/>
+                            </a:srgbClr>
+                          </a:solidFill>
+                          <a:latin typeface="Arial"/>
+                          <a:cs typeface="Arial"/>
+                        </a:rPr>
+                        <a:t>CL</a:t>
+                      </a:r>
+                    </a:p>
+                  </a:txBody>
+                  <a:tcPr anchor="ctr" marB="0" marT="0" marR="0" marL="0">
+                    <a:lnL algn="ctr" cmpd="sng" cap="flat" w="0">
+                      <a:noFill/>
+                      <a:prstDash val="solid"/>
+                    </a:lnL>
+                    <a:lnR algn="ctr" cmpd="sng" cap="flat" w="0">
+                      <a:noFill/>
+                      <a:prstDash val="solid"/>
+                    </a:lnR>
+                    <a:lnT algn="ctr" cmpd="sng" cap="flat" w="12700">
+                      <a:solidFill>
+                        <a:srgbClr val="333333">
+                          <a:alpha val="100000"/>
+                        </a:srgbClr>
+                      </a:solidFill>
+                      <a:prstDash val="solid"/>
+                    </a:lnT>
+                    <a:lnB algn="ctr" cmpd="sng" cap="flat" w="12700">
+                      <a:solidFill>
+                        <a:srgbClr val="333333">
+                          <a:alpha val="100000"/>
+                        </a:srgbClr>
+                      </a:solidFill>
+                      <a:prstDash val="solid"/>
+                    </a:lnB>
+                  </a:tcPr>
+                </a:tc>
+                <a:tc>
+                  <a:txBody>
+                    <a:bodyPr/>
+                    <a:lstStyle/>
+                    <a:p>
+                      <a:pPr algn="ctr" marL="25400" marR="25400">
+                        <a:spcBef>
+                          <a:spcPts val="200"/>
+                        </a:spcBef>
+                        <a:spcAft>
+                          <a:spcPts val="200"/>
+                        </a:spcAft>
+                        <a:buNone/>
+                      </a:pPr>
+                      <a:r>
+                        <a:rPr sz="1000" b="1">
+                          <a:solidFill>
+                            <a:srgbClr val="000000">
+                              <a:alpha val="100000"/>
+                            </a:srgbClr>
+                          </a:solidFill>
+                          <a:latin typeface="Arial"/>
+                          <a:cs typeface="Arial"/>
+                        </a:rPr>
+                        <a:t>Vc</a:t>
+                      </a:r>
+                    </a:p>
+                  </a:txBody>
+                  <a:tcPr anchor="ctr" marB="0" marT="0" marR="0" marL="0">
+                    <a:lnL algn="ctr" cmpd="sng" cap="flat" w="0">
+                      <a:noFill/>
+                      <a:prstDash val="solid"/>
+                    </a:lnL>
+                    <a:lnR algn="ctr" cmpd="sng" cap="flat" w="0">
+                      <a:noFill/>
+                      <a:prstDash val="solid"/>
+                    </a:lnR>
+                    <a:lnT algn="ctr" cmpd="sng" cap="flat" w="12700">
+                      <a:solidFill>
+                        <a:srgbClr val="333333">
+                          <a:alpha val="100000"/>
+                        </a:srgbClr>
+                      </a:solidFill>
+                      <a:prstDash val="solid"/>
+                    </a:lnT>
+                    <a:lnB algn="ctr" cmpd="sng" cap="flat" w="12700">
+                      <a:solidFill>
+                        <a:srgbClr val="333333">
+                          <a:alpha val="100000"/>
+                        </a:srgbClr>
+                      </a:solidFill>
+                      <a:prstDash val="solid"/>
+                    </a:lnB>
+                  </a:tcPr>
+                </a:tc>
+                <a:tc>
+                  <a:txBody>
+                    <a:bodyPr/>
+                    <a:lstStyle/>
+                    <a:p>
+                      <a:pPr algn="ctr" marL="25400" marR="25400">
+                        <a:spcBef>
+                          <a:spcPts val="200"/>
+                        </a:spcBef>
+                        <a:spcAft>
+                          <a:spcPts val="200"/>
+                        </a:spcAft>
+                        <a:buNone/>
+                      </a:pPr>
+                      <a:r>
+                        <a:rPr sz="1000" b="1">
+                          <a:solidFill>
+                            <a:srgbClr val="000000">
+                              <a:alpha val="100000"/>
+                            </a:srgbClr>
+                          </a:solidFill>
+                          <a:latin typeface="Arial"/>
+                          <a:cs typeface="Arial"/>
+                        </a:rPr>
+                        <a:t>Vp</a:t>
+                      </a:r>
+                    </a:p>
+                  </a:txBody>
+                  <a:tcPr anchor="ctr" marB="0" marT="0" marR="0" marL="0">
+                    <a:lnL algn="ctr" cmpd="sng" cap="flat" w="0">
+                      <a:noFill/>
+                      <a:prstDash val="solid"/>
+                    </a:lnL>
+                    <a:lnR algn="ctr" cmpd="sng" cap="flat" w="0">
+                      <a:noFill/>
+                      <a:prstDash val="solid"/>
+                    </a:lnR>
+                    <a:lnT algn="ctr" cmpd="sng" cap="flat" w="12700">
+                      <a:solidFill>
+                        <a:srgbClr val="333333">
+                          <a:alpha val="100000"/>
+                        </a:srgbClr>
+                      </a:solidFill>
+                      <a:prstDash val="solid"/>
+                    </a:lnT>
+                    <a:lnB algn="ctr" cmpd="sng" cap="flat" w="12700">
+                      <a:solidFill>
+                        <a:srgbClr val="333333">
+                          <a:alpha val="100000"/>
+                        </a:srgbClr>
+                      </a:solidFill>
+                      <a:prstDash val="solid"/>
+                    </a:lnB>
+                  </a:tcPr>
+                </a:tc>
+                <a:tc>
+                  <a:txBody>
+                    <a:bodyPr/>
+                    <a:lstStyle/>
+                    <a:p>
+                      <a:pPr algn="ctr" marL="25400" marR="25400">
+                        <a:spcBef>
+                          <a:spcPts val="200"/>
+                        </a:spcBef>
+                        <a:spcAft>
+                          <a:spcPts val="200"/>
+                        </a:spcAft>
+                        <a:buNone/>
+                      </a:pPr>
+                      <a:r>
+                        <a:rPr sz="1000" b="1">
+                          <a:solidFill>
+                            <a:srgbClr val="000000">
+                              <a:alpha val="100000"/>
+                            </a:srgbClr>
+                          </a:solidFill>
+                          <a:latin typeface="Arial"/>
+                          <a:cs typeface="Arial"/>
+                        </a:rPr>
+                        <a:t>Q</a:t>
+                      </a:r>
+                    </a:p>
+                  </a:txBody>
+                  <a:tcPr anchor="ctr" marB="0" marT="0" marR="0" marL="0">
+                    <a:lnL algn="ctr" cmpd="sng" cap="flat" w="0">
+                      <a:noFill/>
+                      <a:prstDash val="solid"/>
+                    </a:lnL>
+                    <a:lnR algn="ctr" cmpd="sng" cap="flat" w="0">
+                      <a:noFill/>
+                      <a:prstDash val="solid"/>
+                    </a:lnR>
+                    <a:lnT algn="ctr" cmpd="sng" cap="flat" w="12700">
+                      <a:solidFill>
+                        <a:srgbClr val="333333">
+                          <a:alpha val="100000"/>
+                        </a:srgbClr>
+                      </a:solidFill>
+                      <a:prstDash val="solid"/>
+                    </a:lnT>
+                    <a:lnB algn="ctr" cmpd="sng" cap="flat" w="12700">
+                      <a:solidFill>
+                        <a:srgbClr val="333333">
+                          <a:alpha val="100000"/>
+                        </a:srgbClr>
+                      </a:solidFill>
+                      <a:prstDash val="solid"/>
+                    </a:lnB>
+                  </a:tcPr>
+                </a:tc>
+                <a:tc>
+                  <a:txBody>
+                    <a:bodyPr/>
+                    <a:lstStyle/>
+                    <a:p>
+                      <a:pPr algn="ctr" marL="25400" marR="25400">
+                        <a:spcBef>
+                          <a:spcPts val="200"/>
+                        </a:spcBef>
+                        <a:spcAft>
+                          <a:spcPts val="200"/>
+                        </a:spcAft>
+                        <a:buNone/>
+                      </a:pPr>
+                      <a:r>
+                        <a:rPr sz="1000" b="1">
+                          <a:solidFill>
+                            <a:srgbClr val="000000">
+                              <a:alpha val="100000"/>
+                            </a:srgbClr>
+                          </a:solidFill>
+                          <a:latin typeface="Arial"/>
+                          <a:cs typeface="Arial"/>
+                        </a:rPr>
+                        <a:t>MW</a:t>
+                      </a:r>
+                    </a:p>
+                  </a:txBody>
+                  <a:tcPr anchor="ctr" marB="0" marT="0" marR="0" marL="0">
+                    <a:lnL algn="ctr" cmpd="sng" cap="flat" w="0">
+                      <a:noFill/>
+                      <a:prstDash val="solid"/>
+                    </a:lnL>
+                    <a:lnR algn="ctr" cmpd="sng" cap="flat" w="0">
+                      <a:noFill/>
+                      <a:prstDash val="solid"/>
+                    </a:lnR>
+                    <a:lnT algn="ctr" cmpd="sng" cap="flat" w="12700">
+                      <a:solidFill>
+                        <a:srgbClr val="333333">
+                          <a:alpha val="100000"/>
+                        </a:srgbClr>
+                      </a:solidFill>
+                      <a:prstDash val="solid"/>
+                    </a:lnT>
+                    <a:lnB algn="ctr" cmpd="sng" cap="flat" w="12700">
+                      <a:solidFill>
+                        <a:srgbClr val="333333">
+                          <a:alpha val="100000"/>
+                        </a:srgbClr>
+                      </a:solidFill>
+                      <a:prstDash val="solid"/>
+                    </a:lnB>
+                  </a:tcPr>
+                </a:tc>
+              </a:tr>
+              <a:tr h="252042">
+                <a:tc>
+                  <a:txBody>
+                    <a:bodyPr/>
+                    <a:lstStyle/>
+                    <a:p>
+                      <a:pPr algn="ctr" marL="25400" marR="25400">
+                        <a:spcBef>
+                          <a:spcPts val="200"/>
+                        </a:spcBef>
+                        <a:spcAft>
+                          <a:spcPts val="200"/>
+                        </a:spcAft>
+                        <a:buNone/>
+                      </a:pPr>
+                      <a:r>
+                        <a:rPr sz="1000">
+                          <a:solidFill>
+                            <a:srgbClr val="000000">
+                              <a:alpha val="100000"/>
+                            </a:srgbClr>
+                          </a:solidFill>
+                          <a:latin typeface="Arial"/>
+                          <a:cs typeface="Arial"/>
+                        </a:rPr>
+                        <a:t>0.744</a:t>
+                      </a:r>
+                    </a:p>
+                  </a:txBody>
+                  <a:tcPr anchor="ctr" marB="0" marT="0" marR="0" marL="0">
+                    <a:lnL algn="ctr" cmpd="sng" cap="flat" w="0">
+                      <a:noFill/>
+                      <a:prstDash val="solid"/>
+                    </a:lnL>
+                    <a:lnR algn="ctr" cmpd="sng" cap="flat" w="0">
+                      <a:noFill/>
+                      <a:prstDash val="solid"/>
+                    </a:lnR>
+                    <a:lnT algn="ctr" cmpd="sng" cap="flat" w="12700">
+                      <a:solidFill>
+                        <a:srgbClr val="333333">
+                          <a:alpha val="100000"/>
+                        </a:srgbClr>
+                      </a:solidFill>
+                      <a:prstDash val="solid"/>
+                    </a:lnT>
+                    <a:lnB algn="ctr" cmpd="sng" cap="flat" w="12700">
+                      <a:solidFill>
+                        <a:srgbClr val="333333">
+                          <a:alpha val="100000"/>
+                        </a:srgbClr>
+                      </a:solidFill>
+                      <a:prstDash val="solid"/>
+                    </a:lnB>
+                  </a:tcPr>
+                </a:tc>
+                <a:tc>
+                  <a:txBody>
+                    <a:bodyPr/>
+                    <a:lstStyle/>
+                    <a:p>
+                      <a:pPr algn="ctr" marL="25400" marR="25400">
+                        <a:spcBef>
+                          <a:spcPts val="200"/>
+                        </a:spcBef>
+                        <a:spcAft>
+                          <a:spcPts val="200"/>
+                        </a:spcAft>
+                        <a:buNone/>
+                      </a:pPr>
+                      <a:r>
+                        <a:rPr sz="1000">
+                          <a:solidFill>
+                            <a:srgbClr val="000000">
+                              <a:alpha val="100000"/>
+                            </a:srgbClr>
+                          </a:solidFill>
+                          <a:latin typeface="Arial"/>
+                          <a:cs typeface="Arial"/>
+                        </a:rPr>
+                        <a:t>0.282</a:t>
+                      </a:r>
+                    </a:p>
+                  </a:txBody>
+                  <a:tcPr anchor="ctr" marB="0" marT="0" marR="0" marL="0">
+                    <a:lnL algn="ctr" cmpd="sng" cap="flat" w="0">
+                      <a:noFill/>
+                      <a:prstDash val="solid"/>
+                    </a:lnL>
+                    <a:lnR algn="ctr" cmpd="sng" cap="flat" w="0">
+                      <a:noFill/>
+                      <a:prstDash val="solid"/>
+                    </a:lnR>
+                    <a:lnT algn="ctr" cmpd="sng" cap="flat" w="12700">
+                      <a:solidFill>
+                        <a:srgbClr val="333333">
+                          <a:alpha val="100000"/>
+                        </a:srgbClr>
+                      </a:solidFill>
+                      <a:prstDash val="solid"/>
+                    </a:lnT>
+                    <a:lnB algn="ctr" cmpd="sng" cap="flat" w="12700">
+                      <a:solidFill>
+                        <a:srgbClr val="333333">
+                          <a:alpha val="100000"/>
+                        </a:srgbClr>
+                      </a:solidFill>
+                      <a:prstDash val="solid"/>
+                    </a:lnB>
+                  </a:tcPr>
+                </a:tc>
+                <a:tc>
+                  <a:txBody>
+                    <a:bodyPr/>
+                    <a:lstStyle/>
+                    <a:p>
+                      <a:pPr algn="ctr" marL="25400" marR="25400">
+                        <a:spcBef>
+                          <a:spcPts val="200"/>
+                        </a:spcBef>
+                        <a:spcAft>
+                          <a:spcPts val="200"/>
+                        </a:spcAft>
+                        <a:buNone/>
+                      </a:pPr>
+                      <a:r>
+                        <a:rPr sz="1000">
+                          <a:solidFill>
+                            <a:srgbClr val="000000">
+                              <a:alpha val="100000"/>
+                            </a:srgbClr>
+                          </a:solidFill>
+                          <a:latin typeface="Arial"/>
+                          <a:cs typeface="Arial"/>
+                        </a:rPr>
+                        <a:t>0.200</a:t>
+                      </a:r>
+                    </a:p>
+                  </a:txBody>
+                  <a:tcPr anchor="ctr" marB="0" marT="0" marR="0" marL="0">
+                    <a:lnL algn="ctr" cmpd="sng" cap="flat" w="0">
+                      <a:noFill/>
+                      <a:prstDash val="solid"/>
+                    </a:lnL>
+                    <a:lnR algn="ctr" cmpd="sng" cap="flat" w="0">
+                      <a:noFill/>
+                      <a:prstDash val="solid"/>
+                    </a:lnR>
+                    <a:lnT algn="ctr" cmpd="sng" cap="flat" w="12700">
+                      <a:solidFill>
+                        <a:srgbClr val="333333">
+                          <a:alpha val="100000"/>
+                        </a:srgbClr>
+                      </a:solidFill>
+                      <a:prstDash val="solid"/>
+                    </a:lnT>
+                    <a:lnB algn="ctr" cmpd="sng" cap="flat" w="12700">
+                      <a:solidFill>
+                        <a:srgbClr val="333333">
+                          <a:alpha val="100000"/>
+                        </a:srgbClr>
+                      </a:solidFill>
+                      <a:prstDash val="solid"/>
+                    </a:lnB>
+                  </a:tcPr>
+                </a:tc>
+                <a:tc>
+                  <a:txBody>
+                    <a:bodyPr/>
+                    <a:lstStyle/>
+                    <a:p>
+                      <a:pPr algn="ctr" marL="25400" marR="25400">
+                        <a:spcBef>
+                          <a:spcPts val="200"/>
+                        </a:spcBef>
+                        <a:spcAft>
+                          <a:spcPts val="200"/>
+                        </a:spcAft>
+                        <a:buNone/>
+                      </a:pPr>
+                      <a:r>
+                        <a:rPr sz="1000">
+                          <a:solidFill>
+                            <a:srgbClr val="000000">
+                              <a:alpha val="100000"/>
+                            </a:srgbClr>
+                          </a:solidFill>
+                          <a:latin typeface="Arial"/>
+                          <a:cs typeface="Arial"/>
+                        </a:rPr>
+                        <a:t>3.610</a:t>
+                      </a:r>
+                    </a:p>
+                  </a:txBody>
+                  <a:tcPr anchor="ctr" marB="0" marT="0" marR="0" marL="0">
+                    <a:lnL algn="ctr" cmpd="sng" cap="flat" w="0">
+                      <a:noFill/>
+                      <a:prstDash val="solid"/>
+                    </a:lnL>
+                    <a:lnR algn="ctr" cmpd="sng" cap="flat" w="0">
+                      <a:noFill/>
+                      <a:prstDash val="solid"/>
+                    </a:lnR>
+                    <a:lnT algn="ctr" cmpd="sng" cap="flat" w="12700">
+                      <a:solidFill>
+                        <a:srgbClr val="333333">
+                          <a:alpha val="100000"/>
+                        </a:srgbClr>
+                      </a:solidFill>
+                      <a:prstDash val="solid"/>
+                    </a:lnT>
+                    <a:lnB algn="ctr" cmpd="sng" cap="flat" w="12700">
+                      <a:solidFill>
+                        <a:srgbClr val="333333">
+                          <a:alpha val="100000"/>
+                        </a:srgbClr>
+                      </a:solidFill>
+                      <a:prstDash val="solid"/>
+                    </a:lnB>
+                  </a:tcPr>
+                </a:tc>
+                <a:tc>
+                  <a:txBody>
+                    <a:bodyPr/>
+                    <a:lstStyle/>
+                    <a:p>
+                      <a:pPr algn="ctr" marL="25400" marR="25400">
+                        <a:spcBef>
+                          <a:spcPts val="200"/>
+                        </a:spcBef>
+                        <a:spcAft>
+                          <a:spcPts val="200"/>
+                        </a:spcAft>
+                        <a:buNone/>
+                      </a:pPr>
+                      <a:r>
+                        <a:rPr sz="1000">
+                          <a:solidFill>
+                            <a:srgbClr val="000000">
+                              <a:alpha val="100000"/>
+                            </a:srgbClr>
+                          </a:solidFill>
+                          <a:latin typeface="Arial"/>
+                          <a:cs typeface="Arial"/>
+                        </a:rPr>
+                        <a:t>2.750</a:t>
+                      </a:r>
+                    </a:p>
+                  </a:txBody>
+                  <a:tcPr anchor="ctr" marB="0" marT="0" marR="0" marL="0">
+                    <a:lnL algn="ctr" cmpd="sng" cap="flat" w="0">
+                      <a:noFill/>
+                      <a:prstDash val="solid"/>
+                    </a:lnL>
+                    <a:lnR algn="ctr" cmpd="sng" cap="flat" w="0">
+                      <a:noFill/>
+                      <a:prstDash val="solid"/>
+                    </a:lnR>
+                    <a:lnT algn="ctr" cmpd="sng" cap="flat" w="12700">
+                      <a:solidFill>
+                        <a:srgbClr val="333333">
+                          <a:alpha val="100000"/>
+                        </a:srgbClr>
+                      </a:solidFill>
+                      <a:prstDash val="solid"/>
+                    </a:lnT>
+                    <a:lnB algn="ctr" cmpd="sng" cap="flat" w="12700">
+                      <a:solidFill>
+                        <a:srgbClr val="333333">
+                          <a:alpha val="100000"/>
+                        </a:srgbClr>
+                      </a:solidFill>
+                      <a:prstDash val="solid"/>
+                    </a:lnB>
+                  </a:tcPr>
+                </a:tc>
+                <a:tc>
+                  <a:txBody>
+                    <a:bodyPr/>
+                    <a:lstStyle/>
+                    <a:p>
+                      <a:pPr algn="ctr" marL="25400" marR="25400">
+                        <a:spcBef>
+                          <a:spcPts val="200"/>
+                        </a:spcBef>
+                        <a:spcAft>
+                          <a:spcPts val="200"/>
+                        </a:spcAft>
+                        <a:buNone/>
+                      </a:pPr>
+                      <a:r>
+                        <a:rPr sz="1000">
+                          <a:solidFill>
+                            <a:srgbClr val="000000">
+                              <a:alpha val="100000"/>
+                            </a:srgbClr>
+                          </a:solidFill>
+                          <a:latin typeface="Arial"/>
+                          <a:cs typeface="Arial"/>
+                        </a:rPr>
+                        <a:t>0.747</a:t>
+                      </a:r>
+                    </a:p>
+                  </a:txBody>
+                  <a:tcPr anchor="ctr" marB="0" marT="0" marR="0" marL="0">
+                    <a:lnL algn="ctr" cmpd="sng" cap="flat" w="0">
+                      <a:noFill/>
+                      <a:prstDash val="solid"/>
+                    </a:lnL>
+                    <a:lnR algn="ctr" cmpd="sng" cap="flat" w="0">
+                      <a:noFill/>
+                      <a:prstDash val="solid"/>
+                    </a:lnR>
+                    <a:lnT algn="ctr" cmpd="sng" cap="flat" w="12700">
+                      <a:solidFill>
+                        <a:srgbClr val="333333">
+                          <a:alpha val="100000"/>
+                        </a:srgbClr>
+                      </a:solidFill>
+                      <a:prstDash val="solid"/>
+                    </a:lnT>
+                    <a:lnB algn="ctr" cmpd="sng" cap="flat" w="12700">
+                      <a:solidFill>
+                        <a:srgbClr val="333333">
+                          <a:alpha val="100000"/>
+                        </a:srgbClr>
+                      </a:solidFill>
+                      <a:prstDash val="solid"/>
+                    </a:lnB>
+                  </a:tcPr>
+                </a:tc>
+                <a:tc>
+                  <a:txBody>
+                    <a:bodyPr/>
+                    <a:lstStyle/>
+                    <a:p>
+                      <a:pPr algn="ctr" marL="25400" marR="25400">
+                        <a:spcBef>
+                          <a:spcPts val="200"/>
+                        </a:spcBef>
+                        <a:spcAft>
+                          <a:spcPts val="200"/>
+                        </a:spcAft>
+                        <a:buNone/>
+                      </a:pPr>
+                      <a:r>
+                        <a:rPr sz="1000">
+                          <a:solidFill>
+                            <a:srgbClr val="000000">
+                              <a:alpha val="100000"/>
+                            </a:srgbClr>
+                          </a:solidFill>
+                          <a:latin typeface="Arial"/>
+                          <a:cs typeface="Arial"/>
+                        </a:rPr>
+                        <a:t>140.000</a:t>
+                      </a:r>
+                    </a:p>
+                  </a:txBody>
+                  <a:tcPr anchor="ctr" marB="0" marT="0" marR="0" marL="0">
+                    <a:lnL algn="ctr" cmpd="sng" cap="flat" w="0">
+                      <a:noFill/>
+                      <a:prstDash val="solid"/>
+                    </a:lnL>
+                    <a:lnR algn="ctr" cmpd="sng" cap="flat" w="0">
+                      <a:noFill/>
+                      <a:prstDash val="solid"/>
+                    </a:lnR>
+                    <a:lnT algn="ctr" cmpd="sng" cap="flat" w="12700">
+                      <a:solidFill>
+                        <a:srgbClr val="333333">
+                          <a:alpha val="100000"/>
+                        </a:srgbClr>
+                      </a:solidFill>
+                      <a:prstDash val="solid"/>
+                    </a:lnT>
+                    <a:lnB algn="ctr" cmpd="sng" cap="flat" w="12700">
+                      <a:solidFill>
+                        <a:srgbClr val="333333">
+                          <a:alpha val="100000"/>
+                        </a:srgbClr>
+                      </a:solidFill>
+                      <a:prstDash val="solid"/>
+                    </a:lnB>
+                  </a:tcPr>
+                </a:tc>
+              </a:tr>
+            </a:tbl>
+          </a:graphicData>
+        </a:graphic>
+      </p:graphicFrame>
+    </p:spTree>
+  </p:cSld>
+  <p:clrMapOvr>
+    <a:masterClrMapping/>
+  </p:clrMapOvr>
+</p:sld>
+</file>
+
+<file path=ppt/slides/slide9.xml><?xml version="1.0" encoding="utf-8"?>
+<p:sld xmlns:a="http://schemas.openxmlformats.org/drawingml/2006/main" xmlns:r="http://schemas.openxmlformats.org/officeDocument/2006/relationships" xmlns:p="http://schemas.openxmlformats.org/presentationml/2006/main">
+  <p:cSld>
+    <p:spTree>
+      <p:nvGrpSpPr>
+        <p:cNvPr id="1" name=""/>
+        <p:cNvGrpSpPr/>
+        <p:nvPr/>
+      </p:nvGrpSpPr>
+      <p:grpSpPr>
+        <a:xfrm>
+          <a:off x="0" y="0"/>
+          <a:ext cx="0" cy="0"/>
+          <a:chOff x="0" y="0"/>
+          <a:chExt cx="0" cy="0"/>
+        </a:xfrm>
+      </p:grpSpPr>
+      <p:sp xmlns:a="http://schemas.openxmlformats.org/drawingml/2006/main" xmlns:r="http://schemas.openxmlformats.org/officeDocument/2006/relationships" xmlns:p="http://schemas.openxmlformats.org/presentationml/2006/main">
+        <p:nvSpPr>
+          <p:cNvPr id="2" name=""/>
+          <p:cNvSpPr>
+            <a:spLocks noGrp="1"/>
+          </p:cNvSpPr>
+          <p:nvPr>
+            <p:ph type="title"/>
+          </p:nvPr>
+        </p:nvSpPr>
+        <p:spPr>
+          <a:xfrm>
+            <a:off x="251520" y="476672"/>
+            <a:ext cx="8640960" cy="778098"/>
+          </a:xfrm>
+        </p:spPr>
+        <p:txBody>
+          <a:bodyPr/>
+          <a:lstStyle/>
+          <a:p>
+            <a:r>
+              <a:rPr/>
+              <a:t>ggplot vs imagefile</a:t>
+            </a:r>
+          </a:p>
+        </p:txBody>
+      </p:sp>
+      <p:sp xmlns:a="http://schemas.openxmlformats.org/drawingml/2006/main" xmlns:r="http://schemas.openxmlformats.org/officeDocument/2006/relationships" xmlns:p="http://schemas.openxmlformats.org/presentationml/2006/main">
+        <p:nvSpPr>
+          <p:cNvPr id="3" name=""/>
+          <p:cNvSpPr>
+            <a:spLocks noGrp="1"/>
+          </p:cNvSpPr>
+          <p:nvPr>
+            <p:ph type="body" idx="14"/>
+          </p:nvPr>
+        </p:nvSpPr>
+        <p:spPr>
+          <a:xfrm>
+            <a:off x="251520" y="1535113"/>
+            <a:ext cx="4245868" cy="639762"/>
+          </a:xfrm>
+        </p:spPr>
+        <p:txBody>
+          <a:bodyPr/>
+          <a:lstStyle/>
+          <a:p>
+            <a:r>
+              <a:rPr/>
+              <a:t>Image file</a:t>
+            </a:r>
+          </a:p>
+        </p:txBody>
+      </p:sp>
+      <p:sp xmlns:a="http://schemas.openxmlformats.org/drawingml/2006/main" xmlns:r="http://schemas.openxmlformats.org/officeDocument/2006/relationships" xmlns:p="http://schemas.openxmlformats.org/presentationml/2006/main">
+        <p:nvSpPr>
+          <p:cNvPr id="4" name=""/>
+          <p:cNvSpPr>
+            <a:spLocks noGrp="1"/>
+          </p:cNvSpPr>
+          <p:nvPr>
+            <p:ph type="body" sz="quarter" idx="3"/>
+          </p:nvPr>
+        </p:nvSpPr>
+        <p:spPr>
+          <a:xfrm>
+            <a:off x="4645025" y="1535113"/>
+            <a:ext cx="4247455" cy="639762"/>
+          </a:xfrm>
+        </p:spPr>
+        <p:txBody>
+          <a:bodyPr/>
+          <a:lstStyle/>
+          <a:p>
+            <a:r>
+              <a:rPr/>
+              <a:t>ggplot object</a:t>
+            </a:r>
+          </a:p>
+        </p:txBody>
+      </p:sp>
+      <p:pic xmlns:a="http://schemas.openxmlformats.org/drawingml/2006/main" xmlns:r="http://schemas.openxmlformats.org/officeDocument/2006/relationships" xmlns:p="http://schemas.openxmlformats.org/presentationml/2006/main">
+        <p:nvPicPr>
+          <p:cNvPr id="5" name="pic"/>
+          <p:cNvPicPr/>
+          <p:nvPr/>
+        </p:nvPicPr>
+        <p:blipFill>
+          <a:blip cstate="print" r:embed="rId2"/>
+          <a:stretch>
+            <a:fillRect/>
+          </a:stretch>
+        </p:blipFill>
+        <p:spPr>
+          <a:xfrm>
+            <a:off x="251520" y="2204864"/>
+            <a:ext cx="4244280" cy="4032448"/>
+          </a:xfrm>
+          <a:prstGeom prst="rect">
+            <a:avLst/>
+          </a:prstGeom>
+        </p:spPr>
+      </p:pic>
+      <p:pic xmlns:a="http://schemas.openxmlformats.org/drawingml/2006/main" xmlns:r="http://schemas.openxmlformats.org/officeDocument/2006/relationships" xmlns:p="http://schemas.openxmlformats.org/presentationml/2006/main">
+        <p:nvPicPr>
+          <p:cNvPr id="6" name="pic"/>
+          <p:cNvPicPr/>
+          <p:nvPr/>
+        </p:nvPicPr>
+        <p:blipFill>
+          <a:blip cstate="print" r:embed="rId3"/>
+          <a:stretch>
+            <a:fillRect/>
+          </a:stretch>
+        </p:blipFill>
+        <p:spPr>
+          <a:xfrm>
+            <a:off x="4648200" y="2204864"/>
+            <a:ext cx="4244280" cy="4032448"/>
           </a:xfrm>
           <a:prstGeom prst="rect">
             <a:avLst/>

--- a/vignettes/report_vignette.pptx
+++ b/vignettes/report_vignette.pptx
@@ -5,15 +5,15 @@
     <p:sldMasterId id="2147483648" r:id="rId1"/>
   </p:sldMasterIdLst>
   <p:sldIdLst xmlns:a="http://schemas.openxmlformats.org/drawingml/2006/main" xmlns:r="http://schemas.openxmlformats.org/officeDocument/2006/relationships" xmlns:p="http://schemas.openxmlformats.org/presentationml/2006/main">
-    <p:sldId id="256" r:id="rId10"/>
-    <p:sldId id="257" r:id="rId11"/>
-    <p:sldId id="258" r:id="rId12"/>
-    <p:sldId id="259" r:id="rId13"/>
-    <p:sldId id="260" r:id="rId14"/>
-    <p:sldId id="261" r:id="rId15"/>
-    <p:sldId id="262" r:id="rId16"/>
-    <p:sldId id="263" r:id="rId17"/>
-    <p:sldId id="264" r:id="rId18"/>
+    <p:sldId id="256" r:id="rId9"/>
+    <p:sldId id="257" r:id="rId10"/>
+    <p:sldId id="258" r:id="rId11"/>
+    <p:sldId id="259" r:id="rId12"/>
+    <p:sldId id="260" r:id="rId13"/>
+    <p:sldId id="261" r:id="rId14"/>
+    <p:sldId id="262" r:id="rId15"/>
+    <p:sldId id="263" r:id="rId16"/>
+    <p:sldId id="264" r:id="rId17"/>
   </p:sldIdLst>
   <p:notesMasterIdLst>
     <p:notesMasterId r:id="rId2"/>
@@ -24,7 +24,7 @@
   <p:sldSz cx="9144000" cy="6858000" type="screen4x3"/>
   <p:notesSz cx="6858000" cy="9144000"/>
   <p:custDataLst>
-    <p:tags r:id="rId5"/>
+    <p:tags r:id="rId4"/>
   </p:custDataLst>
   <p:defaultTextStyle>
     <a:defPPr>
@@ -121,6 +121,22 @@
       </a:defRPr>
     </a:lvl9pPr>
   </p:defaultTextStyle>
+  <p:extLst>
+    <p:ext uri="{EFAFB233-063F-42B5-8137-9DF3F51BA10A}">
+      <p15:sldGuideLst xmlns:p15="http://schemas.microsoft.com/office/powerpoint/2012/main">
+        <p15:guide id="1" orient="horz" pos="2160">
+          <p15:clr>
+            <a:srgbClr val="A4A3A4"/>
+          </p15:clr>
+        </p15:guide>
+        <p15:guide id="2" pos="2880">
+          <p15:clr>
+            <a:srgbClr val="A4A3A4"/>
+          </p15:clr>
+        </p15:guide>
+      </p15:sldGuideLst>
+    </p:ext>
+  </p:extLst>
 </p:presentation>
 </file>
 
@@ -206,7 +222,7 @@
           <a:p>
             <a:fld id="{1B656253-81D4-504C-9F22-C43A5586B7F8}" type="datetimeFigureOut">
               <a:rPr lang="en-US" smtClean="0"/>
-              <a:t>1/28/18</a:t>
+              <a:t>4/7/18</a:t>
             </a:fld>
             <a:endParaRPr lang="en-US"/>
           </a:p>
@@ -372,7 +388,7 @@
           <a:p>
             <a:fld id="{EEA38B4D-A065-A048-981C-DE16882AB0B1}" type="datetimeFigureOut">
               <a:rPr lang="en-US" smtClean="0"/>
-              <a:t>1/28/18</a:t>
+              <a:t>4/7/18</a:t>
             </a:fld>
             <a:endParaRPr lang="en-US"/>
           </a:p>
@@ -643,7 +659,7 @@
 
 <file path=ppt/slideLayouts/slideLayout1.xml><?xml version="1.0" encoding="utf-8"?>
 <p:sldLayout xmlns:a="http://schemas.openxmlformats.org/drawingml/2006/main" xmlns:r="http://schemas.openxmlformats.org/officeDocument/2006/relationships" xmlns:p="http://schemas.openxmlformats.org/presentationml/2006/main" type="title" preserve="1">
-  <p:cSld name="Title Slide">
+  <p:cSld name="title_slide">
     <p:spTree>
       <p:nvGrpSpPr>
         <p:cNvPr id="1" name=""/>
@@ -850,7 +866,7 @@
 
 <file path=ppt/slideLayouts/slideLayout10.xml><?xml version="1.0" encoding="utf-8"?>
 <p:sldLayout xmlns:a="http://schemas.openxmlformats.org/drawingml/2006/main" xmlns:r="http://schemas.openxmlformats.org/officeDocument/2006/relationships" xmlns:p="http://schemas.openxmlformats.org/presentationml/2006/main" preserve="1" userDrawn="1">
-  <p:cSld name="Blank">
+  <p:cSld name="blank">
     <p:spTree>
       <p:nvGrpSpPr>
         <p:cNvPr id="1" name=""/>
@@ -882,7 +898,7 @@
           <a:p>
             <a:fld id="{52BA1850-337E-7747-91FB-64B4051995E4}" type="datetime1">
               <a:rPr lang="en-US" smtClean="0"/>
-              <a:t>1/28/18</a:t>
+              <a:t>4/7/18</a:t>
             </a:fld>
             <a:endParaRPr lang="en-GB"/>
           </a:p>
@@ -945,7 +961,7 @@
 
 <file path=ppt/slideLayouts/slideLayout2.xml><?xml version="1.0" encoding="utf-8"?>
 <p:sldLayout xmlns:a="http://schemas.openxmlformats.org/drawingml/2006/main" xmlns:r="http://schemas.openxmlformats.org/officeDocument/2006/relationships" xmlns:p="http://schemas.openxmlformats.org/presentationml/2006/main" preserve="1" userDrawn="1">
-  <p:cSld name="Title and Content List">
+  <p:cSld name="content_list">
     <p:spTree>
       <p:nvGrpSpPr>
         <p:cNvPr id="1" name=""/>
@@ -1094,7 +1110,7 @@
           <a:p>
             <a:fld id="{BB662456-9DF9-7F42-9863-03F75BEC0447}" type="datetime1">
               <a:rPr lang="en-US" smtClean="0"/>
-              <a:t>1/28/18</a:t>
+              <a:t>4/7/18</a:t>
             </a:fld>
             <a:endParaRPr lang="en-GB"/>
           </a:p>
@@ -1266,7 +1282,7 @@
 
 <file path=ppt/slideLayouts/slideLayout3.xml><?xml version="1.0" encoding="utf-8"?>
 <p:sldLayout xmlns:a="http://schemas.openxmlformats.org/drawingml/2006/main" xmlns:r="http://schemas.openxmlformats.org/officeDocument/2006/relationships" xmlns:p="http://schemas.openxmlformats.org/presentationml/2006/main" preserve="1" userDrawn="1">
-  <p:cSld name="Title and Content Text">
+  <p:cSld name="content_text">
     <p:spTree>
       <p:nvGrpSpPr>
         <p:cNvPr id="1" name=""/>
@@ -1441,7 +1457,7 @@
           <a:p>
             <a:fld id="{AA0DAA0C-97E8-DA4A-9975-EC4E464C2F40}" type="datetime1">
               <a:rPr lang="en-US" smtClean="0"/>
-              <a:t>1/28/18</a:t>
+              <a:t>4/7/18</a:t>
             </a:fld>
             <a:endParaRPr lang="en-GB"/>
           </a:p>
@@ -1613,7 +1629,7 @@
 
 <file path=ppt/slideLayouts/slideLayout4.xml><?xml version="1.0" encoding="utf-8"?>
 <p:sldLayout xmlns:a="http://schemas.openxmlformats.org/drawingml/2006/main" xmlns:r="http://schemas.openxmlformats.org/officeDocument/2006/relationships" xmlns:p="http://schemas.openxmlformats.org/presentationml/2006/main" type="secHead" preserve="1">
-  <p:cSld name="Section Header">
+  <p:cSld name="section_slide">
     <p:spTree>
       <p:nvGrpSpPr>
         <p:cNvPr id="1" name=""/>
@@ -1846,7 +1862,7 @@
 
 <file path=ppt/slideLayouts/slideLayout5.xml><?xml version="1.0" encoding="utf-8"?>
 <p:sldLayout xmlns:a="http://schemas.openxmlformats.org/drawingml/2006/main" xmlns:r="http://schemas.openxmlformats.org/officeDocument/2006/relationships" xmlns:p="http://schemas.openxmlformats.org/presentationml/2006/main" preserve="1" userDrawn="1">
-  <p:cSld name="Two Content Header List">
+  <p:cSld name="two_content_header_list">
     <p:spTree>
       <p:nvGrpSpPr>
         <p:cNvPr id="1" name=""/>
@@ -2142,7 +2158,7 @@
           <a:p>
             <a:fld id="{04A76F9C-33B6-4248-95F4-E755A51BE64F}" type="datetime1">
               <a:rPr lang="en-US" smtClean="0"/>
-              <a:t>1/28/18</a:t>
+              <a:t>4/7/18</a:t>
             </a:fld>
             <a:endParaRPr lang="en-GB"/>
           </a:p>
@@ -2415,7 +2431,7 @@
 
 <file path=ppt/slideLayouts/slideLayout6.xml><?xml version="1.0" encoding="utf-8"?>
 <p:sldLayout xmlns:a="http://schemas.openxmlformats.org/drawingml/2006/main" xmlns:r="http://schemas.openxmlformats.org/officeDocument/2006/relationships" xmlns:p="http://schemas.openxmlformats.org/presentationml/2006/main" preserve="1" userDrawn="1">
-  <p:cSld name="Two Content Header Text">
+  <p:cSld name="two_content_header_text">
     <p:spTree>
       <p:nvGrpSpPr>
         <p:cNvPr id="1" name=""/>
@@ -2721,7 +2737,7 @@
           <a:p>
             <a:fld id="{7BA53915-059E-FD4B-A198-BD5AD9F97206}" type="datetime1">
               <a:rPr lang="en-US" smtClean="0"/>
-              <a:t>1/28/18</a:t>
+              <a:t>4/7/18</a:t>
             </a:fld>
             <a:endParaRPr lang="en-GB"/>
           </a:p>
@@ -2994,7 +3010,7 @@
 
 <file path=ppt/slideLayouts/slideLayout7.xml><?xml version="1.0" encoding="utf-8"?>
 <p:sldLayout xmlns:a="http://schemas.openxmlformats.org/drawingml/2006/main" xmlns:r="http://schemas.openxmlformats.org/officeDocument/2006/relationships" xmlns:p="http://schemas.openxmlformats.org/presentationml/2006/main" preserve="1" userDrawn="1">
-  <p:cSld name="Two Content List">
+  <p:cSld name="two_content_list">
     <p:spTree>
       <p:nvGrpSpPr>
         <p:cNvPr id="1" name=""/>
@@ -3290,7 +3306,7 @@
           <a:p>
             <a:fld id="{F7C6CE28-510F-5240-BB2D-5CAA84033ED0}" type="datetime1">
               <a:rPr lang="en-US" smtClean="0"/>
-              <a:t>1/28/18</a:t>
+              <a:t>4/7/18</a:t>
             </a:fld>
             <a:endParaRPr lang="en-GB"/>
           </a:p>
@@ -3433,7 +3449,7 @@
 
 <file path=ppt/slideLayouts/slideLayout8.xml><?xml version="1.0" encoding="utf-8"?>
 <p:sldLayout xmlns:a="http://schemas.openxmlformats.org/drawingml/2006/main" xmlns:r="http://schemas.openxmlformats.org/officeDocument/2006/relationships" xmlns:p="http://schemas.openxmlformats.org/presentationml/2006/main" preserve="1" userDrawn="1">
-  <p:cSld name="Two Content Text">
+  <p:cSld name="two_content_text">
     <p:spTree>
       <p:nvGrpSpPr>
         <p:cNvPr id="1" name=""/>
@@ -3739,7 +3755,7 @@
           <a:p>
             <a:fld id="{DC8473B6-9DB1-6841-865B-A1275004FC4D}" type="datetime1">
               <a:rPr lang="en-US" smtClean="0"/>
-              <a:t>1/28/18</a:t>
+              <a:t>4/7/18</a:t>
             </a:fld>
             <a:endParaRPr lang="en-GB"/>
           </a:p>
@@ -3882,7 +3898,7 @@
 
 <file path=ppt/slideLayouts/slideLayout9.xml><?xml version="1.0" encoding="utf-8"?>
 <p:sldLayout xmlns:a="http://schemas.openxmlformats.org/drawingml/2006/main" xmlns:r="http://schemas.openxmlformats.org/officeDocument/2006/relationships" xmlns:p="http://schemas.openxmlformats.org/presentationml/2006/main" preserve="1" userDrawn="1">
-  <p:cSld name="Title Only">
+  <p:cSld name="title_only">
     <p:spTree>
       <p:nvGrpSpPr>
         <p:cNvPr id="1" name=""/>
@@ -3974,7 +3990,7 @@
           <a:p>
             <a:fld id="{D871C1FE-9025-5C49-BA5C-C24D6151D8FF}" type="datetime1">
               <a:rPr lang="en-US" smtClean="0"/>
-              <a:t>1/28/18</a:t>
+              <a:t>4/7/18</a:t>
             </a:fld>
             <a:endParaRPr lang="en-GB"/>
           </a:p>
@@ -4216,7 +4232,7 @@
           <a:p>
             <a:fld id="{13B1BC43-4B43-954F-8BAE-86993A84B7B7}" type="datetime1">
               <a:rPr lang="en-US" smtClean="0"/>
-              <a:t>1/28/18</a:t>
+              <a:t>4/7/18</a:t>
             </a:fld>
             <a:endParaRPr lang="en-GB"/>
           </a:p>

--- a/vignettes/report_vignette.pptx
+++ b/vignettes/report_vignette.pptx
@@ -222,7 +222,7 @@
           <a:p>
             <a:fld id="{1B656253-81D4-504C-9F22-C43A5586B7F8}" type="datetimeFigureOut">
               <a:rPr lang="en-US" smtClean="0"/>
-              <a:t>4/7/18</a:t>
+              <a:t>4/18/18</a:t>
             </a:fld>
             <a:endParaRPr lang="en-US"/>
           </a:p>
@@ -388,7 +388,7 @@
           <a:p>
             <a:fld id="{EEA38B4D-A065-A048-981C-DE16882AB0B1}" type="datetimeFigureOut">
               <a:rPr lang="en-US" smtClean="0"/>
-              <a:t>4/7/18</a:t>
+              <a:t>4/18/18</a:t>
             </a:fld>
             <a:endParaRPr lang="en-US"/>
           </a:p>
@@ -898,7 +898,7 @@
           <a:p>
             <a:fld id="{52BA1850-337E-7747-91FB-64B4051995E4}" type="datetime1">
               <a:rPr lang="en-US" smtClean="0"/>
-              <a:t>4/7/18</a:t>
+              <a:t>4/18/18</a:t>
             </a:fld>
             <a:endParaRPr lang="en-GB"/>
           </a:p>
@@ -1051,7 +1051,12 @@
             <p:ph idx="1"/>
           </p:nvPr>
         </p:nvSpPr>
-        <p:spPr/>
+        <p:spPr>
+          <a:xfrm>
+            <a:off x="251520" y="1600200"/>
+            <a:ext cx="8686800" cy="4572000"/>
+          </a:xfrm>
+        </p:spPr>
         <p:txBody>
           <a:bodyPr/>
           <a:lstStyle/>
@@ -1110,7 +1115,7 @@
           <a:p>
             <a:fld id="{BB662456-9DF9-7F42-9863-03F75BEC0447}" type="datetime1">
               <a:rPr lang="en-US" smtClean="0"/>
-              <a:t>4/7/18</a:t>
+              <a:t>4/18/18</a:t>
             </a:fld>
             <a:endParaRPr lang="en-GB"/>
           </a:p>
@@ -1375,7 +1380,7 @@
         <p:spPr>
           <a:xfrm>
             <a:off x="251520" y="1600200"/>
-            <a:ext cx="8640960" cy="4637112"/>
+            <a:ext cx="8686800" cy="4572000"/>
           </a:xfrm>
         </p:spPr>
         <p:txBody>
@@ -1457,7 +1462,7 @@
           <a:p>
             <a:fld id="{AA0DAA0C-97E8-DA4A-9975-EC4E464C2F40}" type="datetime1">
               <a:rPr lang="en-US" smtClean="0"/>
-              <a:t>4/7/18</a:t>
+              <a:t>4/18/18</a:t>
             </a:fld>
             <a:endParaRPr lang="en-GB"/>
           </a:p>
@@ -2158,7 +2163,7 @@
           <a:p>
             <a:fld id="{04A76F9C-33B6-4248-95F4-E755A51BE64F}" type="datetime1">
               <a:rPr lang="en-US" smtClean="0"/>
-              <a:t>4/7/18</a:t>
+              <a:t>4/18/18</a:t>
             </a:fld>
             <a:endParaRPr lang="en-GB"/>
           </a:p>
@@ -2737,7 +2742,7 @@
           <a:p>
             <a:fld id="{7BA53915-059E-FD4B-A198-BD5AD9F97206}" type="datetime1">
               <a:rPr lang="en-US" smtClean="0"/>
-              <a:t>4/7/18</a:t>
+              <a:t>4/18/18</a:t>
             </a:fld>
             <a:endParaRPr lang="en-GB"/>
           </a:p>
@@ -3132,7 +3137,7 @@
         <p:spPr>
           <a:xfrm>
             <a:off x="251520" y="1600200"/>
-            <a:ext cx="4244280" cy="4637112"/>
+            <a:ext cx="4261104" cy="4572000"/>
           </a:xfrm>
         </p:spPr>
         <p:txBody>
@@ -3217,7 +3222,7 @@
         <p:spPr>
           <a:xfrm>
             <a:off x="4648200" y="1600200"/>
-            <a:ext cx="4244280" cy="4637112"/>
+            <a:ext cx="4251960" cy="4572000"/>
           </a:xfrm>
         </p:spPr>
         <p:txBody>
@@ -3306,7 +3311,7 @@
           <a:p>
             <a:fld id="{F7C6CE28-510F-5240-BB2D-5CAA84033ED0}" type="datetime1">
               <a:rPr lang="en-US" smtClean="0"/>
-              <a:t>4/7/18</a:t>
+              <a:t>4/18/18</a:t>
             </a:fld>
             <a:endParaRPr lang="en-GB"/>
           </a:p>
@@ -3755,7 +3760,7 @@
           <a:p>
             <a:fld id="{DC8473B6-9DB1-6841-865B-A1275004FC4D}" type="datetime1">
               <a:rPr lang="en-US" smtClean="0"/>
-              <a:t>4/7/18</a:t>
+              <a:t>4/18/18</a:t>
             </a:fld>
             <a:endParaRPr lang="en-GB"/>
           </a:p>
@@ -3990,7 +3995,7 @@
           <a:p>
             <a:fld id="{D871C1FE-9025-5C49-BA5C-C24D6151D8FF}" type="datetime1">
               <a:rPr lang="en-US" smtClean="0"/>
-              <a:t>4/7/18</a:t>
+              <a:t>4/18/18</a:t>
             </a:fld>
             <a:endParaRPr lang="en-GB"/>
           </a:p>
@@ -4232,7 +4237,7 @@
           <a:p>
             <a:fld id="{13B1BC43-4B43-954F-8BAE-86993A84B7B7}" type="datetime1">
               <a:rPr lang="en-US" smtClean="0"/>
-              <a:t>4/7/18</a:t>
+              <a:t>4/18/18</a:t>
             </a:fld>
             <a:endParaRPr lang="en-GB"/>
           </a:p>
@@ -4726,7 +4731,7 @@
         <p:spPr>
           <a:xfrm>
             <a:off x="251520" y="1600200"/>
-            <a:ext cx="8640960" cy="4637112"/>
+            <a:ext cx="8686800" cy="4572000"/>
           </a:xfrm>
         </p:spPr>
         <p:txBody>
@@ -4919,7 +4924,7 @@
         <p:spPr>
           <a:xfrm>
             <a:off x="251520" y="1600200"/>
-            <a:ext cx="8640960" cy="4637112"/>
+            <a:ext cx="8686800" cy="4572000"/>
           </a:xfrm>
           <a:prstGeom prst="rect">
             <a:avLst/>
@@ -5020,7 +5025,7 @@
         <p:spPr>
           <a:xfrm>
             <a:off x="251520" y="1600200"/>
-            <a:ext cx="8640960" cy="4637112"/>
+            <a:ext cx="8686800" cy="4572000"/>
           </a:xfrm>
           <a:prstGeom prst="rect">
             <a:avLst/>
@@ -5089,7 +5094,7 @@
         </p:nvGraphicFramePr>
         <p:xfrm rot="0">
           <a:off x="251520" y="1600200"/>
-          <a:ext cx="8640960" cy="4637112"/>
+          <a:ext cx="8686800" cy="4572000"/>
         </p:xfrm>
         <a:graphic>
           <a:graphicData uri="http://schemas.openxmlformats.org/drawingml/2006/table">
@@ -5098,15 +5103,15 @@
                 <a:tableStyleId>{5C22544A-7EE6-4342-B048-85BDC9FD1C3A}</a:tableStyleId>
               </a:tblPr>
               <a:tblGrid>
-                <a:gridCol w="1234422"/>
-                <a:gridCol w="1234422"/>
-                <a:gridCol w="1234422"/>
-                <a:gridCol w="1234422"/>
-                <a:gridCol w="1234422"/>
-                <a:gridCol w="1234422"/>
-                <a:gridCol w="1234422"/>
+                <a:gridCol w="1240971"/>
+                <a:gridCol w="1240971"/>
+                <a:gridCol w="1240971"/>
+                <a:gridCol w="1240971"/>
+                <a:gridCol w="1240971"/>
+                <a:gridCol w="1240971"/>
+                <a:gridCol w="1240971"/>
               </a:tblGrid>
-              <a:tr h="2318556">
+              <a:tr h="2286000">
                 <a:tc>
                   <a:txBody>
                     <a:bodyPr/>
@@ -5185,7 +5190,7 @@
                   </a:txBody>
                 </a:tc>
               </a:tr>
-              <a:tr h="2318556">
+              <a:tr h="2286000">
                 <a:tc>
                   <a:txBody>
                     <a:bodyPr/>
@@ -5330,7 +5335,7 @@
         </p:nvGraphicFramePr>
         <p:xfrm rot="0">
           <a:off x="251520" y="1600200"/>
-          <a:ext cx="8640960" cy="4637112"/>
+          <a:ext cx="8686800" cy="4572000"/>
         </p:xfrm>
         <a:graphic>
           <a:graphicData uri="http://schemas.openxmlformats.org/drawingml/2006/table">
@@ -6245,7 +6250,7 @@
         </p:nvGraphicFramePr>
         <p:xfrm rot="0">
           <a:off x="4648200" y="1600200"/>
-          <a:ext cx="4244280" cy="4637112"/>
+          <a:ext cx="4251960" cy="4572000"/>
         </p:xfrm>
         <a:graphic>
           <a:graphicData uri="http://schemas.openxmlformats.org/drawingml/2006/table">

--- a/vignettes/report_vignette.pptx
+++ b/vignettes/report_vignette.pptx
@@ -5775,12 +5775,8 @@
                       <a:noFill/>
                       <a:prstDash val="solid"/>
                     </a:lnR>
-                    <a:lnT algn="ctr" cmpd="sng" cap="flat" w="12700">
-                      <a:solidFill>
-                        <a:srgbClr val="333333">
-                          <a:alpha val="100000"/>
-                        </a:srgbClr>
-                      </a:solidFill>
+                    <a:lnT algn="ctr" cmpd="sng" cap="flat" w="0">
+                      <a:noFill/>
                       <a:prstDash val="solid"/>
                     </a:lnT>
                     <a:lnB algn="ctr" cmpd="sng" cap="flat" w="12700">
@@ -5830,12 +5826,8 @@
                       <a:noFill/>
                       <a:prstDash val="solid"/>
                     </a:lnR>
-                    <a:lnT algn="ctr" cmpd="sng" cap="flat" w="12700">
-                      <a:solidFill>
-                        <a:srgbClr val="333333">
-                          <a:alpha val="100000"/>
-                        </a:srgbClr>
-                      </a:solidFill>
+                    <a:lnT algn="ctr" cmpd="sng" cap="flat" w="0">
+                      <a:noFill/>
                       <a:prstDash val="solid"/>
                     </a:lnT>
                     <a:lnB algn="ctr" cmpd="sng" cap="flat" w="12700">
@@ -5885,12 +5877,8 @@
                       <a:noFill/>
                       <a:prstDash val="solid"/>
                     </a:lnR>
-                    <a:lnT algn="ctr" cmpd="sng" cap="flat" w="12700">
-                      <a:solidFill>
-                        <a:srgbClr val="333333">
-                          <a:alpha val="100000"/>
-                        </a:srgbClr>
-                      </a:solidFill>
+                    <a:lnT algn="ctr" cmpd="sng" cap="flat" w="0">
+                      <a:noFill/>
                       <a:prstDash val="solid"/>
                     </a:lnT>
                     <a:lnB algn="ctr" cmpd="sng" cap="flat" w="12700">
@@ -5940,12 +5928,8 @@
                       <a:noFill/>
                       <a:prstDash val="solid"/>
                     </a:lnR>
-                    <a:lnT algn="ctr" cmpd="sng" cap="flat" w="12700">
-                      <a:solidFill>
-                        <a:srgbClr val="333333">
-                          <a:alpha val="100000"/>
-                        </a:srgbClr>
-                      </a:solidFill>
+                    <a:lnT algn="ctr" cmpd="sng" cap="flat" w="0">
+                      <a:noFill/>
                       <a:prstDash val="solid"/>
                     </a:lnT>
                     <a:lnB algn="ctr" cmpd="sng" cap="flat" w="12700">
@@ -5995,12 +5979,8 @@
                       <a:noFill/>
                       <a:prstDash val="solid"/>
                     </a:lnR>
-                    <a:lnT algn="ctr" cmpd="sng" cap="flat" w="12700">
-                      <a:solidFill>
-                        <a:srgbClr val="333333">
-                          <a:alpha val="100000"/>
-                        </a:srgbClr>
-                      </a:solidFill>
+                    <a:lnT algn="ctr" cmpd="sng" cap="flat" w="0">
+                      <a:noFill/>
                       <a:prstDash val="solid"/>
                     </a:lnT>
                     <a:lnB algn="ctr" cmpd="sng" cap="flat" w="12700">
@@ -6050,12 +6030,8 @@
                       <a:noFill/>
                       <a:prstDash val="solid"/>
                     </a:lnR>
-                    <a:lnT algn="ctr" cmpd="sng" cap="flat" w="12700">
-                      <a:solidFill>
-                        <a:srgbClr val="333333">
-                          <a:alpha val="100000"/>
-                        </a:srgbClr>
-                      </a:solidFill>
+                    <a:lnT algn="ctr" cmpd="sng" cap="flat" w="0">
+                      <a:noFill/>
                       <a:prstDash val="solid"/>
                     </a:lnT>
                     <a:lnB algn="ctr" cmpd="sng" cap="flat" w="12700">
@@ -6105,12 +6081,8 @@
                       <a:noFill/>
                       <a:prstDash val="solid"/>
                     </a:lnR>
-                    <a:lnT algn="ctr" cmpd="sng" cap="flat" w="12700">
-                      <a:solidFill>
-                        <a:srgbClr val="333333">
-                          <a:alpha val="100000"/>
-                        </a:srgbClr>
-                      </a:solidFill>
+                    <a:lnT algn="ctr" cmpd="sng" cap="flat" w="0">
+                      <a:noFill/>
                       <a:prstDash val="solid"/>
                     </a:lnT>
                     <a:lnB algn="ctr" cmpd="sng" cap="flat" w="12700">
@@ -6690,12 +6662,8 @@
                       <a:noFill/>
                       <a:prstDash val="solid"/>
                     </a:lnR>
-                    <a:lnT algn="ctr" cmpd="sng" cap="flat" w="12700">
-                      <a:solidFill>
-                        <a:srgbClr val="333333">
-                          <a:alpha val="100000"/>
-                        </a:srgbClr>
-                      </a:solidFill>
+                    <a:lnT algn="ctr" cmpd="sng" cap="flat" w="0">
+                      <a:noFill/>
                       <a:prstDash val="solid"/>
                     </a:lnT>
                     <a:lnB algn="ctr" cmpd="sng" cap="flat" w="12700">
@@ -6745,12 +6713,8 @@
                       <a:noFill/>
                       <a:prstDash val="solid"/>
                     </a:lnR>
-                    <a:lnT algn="ctr" cmpd="sng" cap="flat" w="12700">
-                      <a:solidFill>
-                        <a:srgbClr val="333333">
-                          <a:alpha val="100000"/>
-                        </a:srgbClr>
-                      </a:solidFill>
+                    <a:lnT algn="ctr" cmpd="sng" cap="flat" w="0">
+                      <a:noFill/>
                       <a:prstDash val="solid"/>
                     </a:lnT>
                     <a:lnB algn="ctr" cmpd="sng" cap="flat" w="12700">
@@ -6800,12 +6764,8 @@
                       <a:noFill/>
                       <a:prstDash val="solid"/>
                     </a:lnR>
-                    <a:lnT algn="ctr" cmpd="sng" cap="flat" w="12700">
-                      <a:solidFill>
-                        <a:srgbClr val="333333">
-                          <a:alpha val="100000"/>
-                        </a:srgbClr>
-                      </a:solidFill>
+                    <a:lnT algn="ctr" cmpd="sng" cap="flat" w="0">
+                      <a:noFill/>
                       <a:prstDash val="solid"/>
                     </a:lnT>
                     <a:lnB algn="ctr" cmpd="sng" cap="flat" w="12700">
@@ -6855,12 +6815,8 @@
                       <a:noFill/>
                       <a:prstDash val="solid"/>
                     </a:lnR>
-                    <a:lnT algn="ctr" cmpd="sng" cap="flat" w="12700">
-                      <a:solidFill>
-                        <a:srgbClr val="333333">
-                          <a:alpha val="100000"/>
-                        </a:srgbClr>
-                      </a:solidFill>
+                    <a:lnT algn="ctr" cmpd="sng" cap="flat" w="0">
+                      <a:noFill/>
                       <a:prstDash val="solid"/>
                     </a:lnT>
                     <a:lnB algn="ctr" cmpd="sng" cap="flat" w="12700">
@@ -6910,12 +6866,8 @@
                       <a:noFill/>
                       <a:prstDash val="solid"/>
                     </a:lnR>
-                    <a:lnT algn="ctr" cmpd="sng" cap="flat" w="12700">
-                      <a:solidFill>
-                        <a:srgbClr val="333333">
-                          <a:alpha val="100000"/>
-                        </a:srgbClr>
-                      </a:solidFill>
+                    <a:lnT algn="ctr" cmpd="sng" cap="flat" w="0">
+                      <a:noFill/>
                       <a:prstDash val="solid"/>
                     </a:lnT>
                     <a:lnB algn="ctr" cmpd="sng" cap="flat" w="12700">
@@ -6965,12 +6917,8 @@
                       <a:noFill/>
                       <a:prstDash val="solid"/>
                     </a:lnR>
-                    <a:lnT algn="ctr" cmpd="sng" cap="flat" w="12700">
-                      <a:solidFill>
-                        <a:srgbClr val="333333">
-                          <a:alpha val="100000"/>
-                        </a:srgbClr>
-                      </a:solidFill>
+                    <a:lnT algn="ctr" cmpd="sng" cap="flat" w="0">
+                      <a:noFill/>
                       <a:prstDash val="solid"/>
                     </a:lnT>
                     <a:lnB algn="ctr" cmpd="sng" cap="flat" w="12700">
@@ -7020,12 +6968,8 @@
                       <a:noFill/>
                       <a:prstDash val="solid"/>
                     </a:lnR>
-                    <a:lnT algn="ctr" cmpd="sng" cap="flat" w="12700">
-                      <a:solidFill>
-                        <a:srgbClr val="333333">
-                          <a:alpha val="100000"/>
-                        </a:srgbClr>
-                      </a:solidFill>
+                    <a:lnT algn="ctr" cmpd="sng" cap="flat" w="0">
+                      <a:noFill/>
                       <a:prstDash val="solid"/>
                     </a:lnT>
                     <a:lnB algn="ctr" cmpd="sng" cap="flat" w="12700">
